--- a/Bezpieczeństwo/Hasła.pptx
+++ b/Bezpieczeństwo/Hasła.pptx
@@ -111,6 +111,11 @@
       </a:defRPr>
     </a:lvl9pPr>
   </p:defaultTextStyle>
+  <p:extLst>
+    <p:ext uri="{EFAFB233-063F-42B5-8137-9DF3F51BA10A}">
+      <p15:sldGuideLst xmlns:p15="http://schemas.microsoft.com/office/powerpoint/2012/main"/>
+    </p:ext>
+  </p:extLst>
 </p:presentation>
 </file>
 
@@ -1325,7 +1330,7 @@
           <a:p>
             <a:fld id="{C6836522-8226-5C45-B12B-C5E5F8B0FBC0}" type="datetimeFigureOut">
               <a:rPr lang="pl-PL" smtClean="0"/>
-              <a:t>18.06.2018</a:t>
+              <a:t>19.06.2018</a:t>
             </a:fld>
             <a:endParaRPr lang="pl-PL"/>
           </a:p>
@@ -1539,7 +1544,7 @@
           <a:p>
             <a:fld id="{C6836522-8226-5C45-B12B-C5E5F8B0FBC0}" type="datetimeFigureOut">
               <a:rPr lang="pl-PL" smtClean="0"/>
-              <a:t>18.06.2018</a:t>
+              <a:t>19.06.2018</a:t>
             </a:fld>
             <a:endParaRPr lang="pl-PL"/>
           </a:p>
@@ -1695,7 +1700,7 @@
           <a:p>
             <a:fld id="{C6836522-8226-5C45-B12B-C5E5F8B0FBC0}" type="datetimeFigureOut">
               <a:rPr lang="pl-PL" smtClean="0"/>
-              <a:t>18.06.2018</a:t>
+              <a:t>19.06.2018</a:t>
             </a:fld>
             <a:endParaRPr lang="pl-PL"/>
           </a:p>
@@ -1841,7 +1846,7 @@
           <a:p>
             <a:fld id="{C6836522-8226-5C45-B12B-C5E5F8B0FBC0}" type="datetimeFigureOut">
               <a:rPr lang="pl-PL" smtClean="0"/>
-              <a:t>18.06.2018</a:t>
+              <a:t>19.06.2018</a:t>
             </a:fld>
             <a:endParaRPr lang="pl-PL"/>
           </a:p>
@@ -2119,7 +2124,7 @@
           <a:p>
             <a:fld id="{C6836522-8226-5C45-B12B-C5E5F8B0FBC0}" type="datetimeFigureOut">
               <a:rPr lang="pl-PL" smtClean="0"/>
-              <a:t>18.06.2018</a:t>
+              <a:t>19.06.2018</a:t>
             </a:fld>
             <a:endParaRPr lang="pl-PL"/>
           </a:p>
@@ -3272,7 +3277,7 @@
           <a:p>
             <a:fld id="{C6836522-8226-5C45-B12B-C5E5F8B0FBC0}" type="datetimeFigureOut">
               <a:rPr lang="pl-PL" smtClean="0"/>
-              <a:t>18.06.2018</a:t>
+              <a:t>19.06.2018</a:t>
             </a:fld>
             <a:endParaRPr lang="pl-PL"/>
           </a:p>
@@ -3624,7 +3629,7 @@
           <a:p>
             <a:fld id="{C6836522-8226-5C45-B12B-C5E5F8B0FBC0}" type="datetimeFigureOut">
               <a:rPr lang="pl-PL" smtClean="0"/>
-              <a:t>18.06.2018</a:t>
+              <a:t>19.06.2018</a:t>
             </a:fld>
             <a:endParaRPr lang="pl-PL"/>
           </a:p>
@@ -3747,7 +3752,7 @@
           <a:p>
             <a:fld id="{C6836522-8226-5C45-B12B-C5E5F8B0FBC0}" type="datetimeFigureOut">
               <a:rPr lang="pl-PL" smtClean="0"/>
-              <a:t>18.06.2018</a:t>
+              <a:t>19.06.2018</a:t>
             </a:fld>
             <a:endParaRPr lang="pl-PL"/>
           </a:p>
@@ -3842,7 +3847,7 @@
           <a:p>
             <a:fld id="{C6836522-8226-5C45-B12B-C5E5F8B0FBC0}" type="datetimeFigureOut">
               <a:rPr lang="pl-PL" smtClean="0"/>
-              <a:t>18.06.2018</a:t>
+              <a:t>19.06.2018</a:t>
             </a:fld>
             <a:endParaRPr lang="pl-PL"/>
           </a:p>
@@ -4586,7 +4591,7 @@
           <a:p>
             <a:fld id="{C6836522-8226-5C45-B12B-C5E5F8B0FBC0}" type="datetimeFigureOut">
               <a:rPr lang="pl-PL" smtClean="0"/>
-              <a:t>18.06.2018</a:t>
+              <a:t>19.06.2018</a:t>
             </a:fld>
             <a:endParaRPr lang="pl-PL"/>
           </a:p>
@@ -5431,7 +5436,7 @@
           <a:p>
             <a:fld id="{C6836522-8226-5C45-B12B-C5E5F8B0FBC0}" type="datetimeFigureOut">
               <a:rPr lang="pl-PL" smtClean="0"/>
-              <a:t>18.06.2018</a:t>
+              <a:t>19.06.2018</a:t>
             </a:fld>
             <a:endParaRPr lang="pl-PL"/>
           </a:p>
@@ -5634,7 +5639,7 @@
           <a:p>
             <a:fld id="{C6836522-8226-5C45-B12B-C5E5F8B0FBC0}" type="datetimeFigureOut">
               <a:rPr lang="pl-PL" smtClean="0"/>
-              <a:t>18.06.2018</a:t>
+              <a:t>19.06.2018</a:t>
             </a:fld>
             <a:endParaRPr lang="pl-PL"/>
           </a:p>
@@ -7792,6 +7797,21 @@
               <a:t>Lista 10000 najpopularniejszych haseł:</a:t>
             </a:r>
           </a:p>
+          <a:p>
+            <a:pPr marL="0" indent="0" algn="ctr">
+              <a:buNone/>
+            </a:pPr>
+            <a:r>
+              <a:rPr lang="pl-PL" sz="2400" dirty="0">
+                <a:hlinkClick r:id="rId2"/>
+              </a:rPr>
+              <a:t>http://www.passwordrandom.com/most-popular-passwords</a:t>
+            </a:r>
+            <a:endParaRPr lang="pl-PL" sz="2400" dirty="0"/>
+          </a:p>
+          <a:p>
+            <a:endParaRPr lang="pl-PL" sz="2400" dirty="0"/>
+          </a:p>
         </p:txBody>
       </p:sp>
     </p:spTree>
@@ -7988,6 +8008,55 @@
                                           <p:spTgt spid="3">
                                             <p:txEl>
                                               <p:pRg st="3" end="3"/>
+                                            </p:txEl>
+                                          </p:spTgt>
+                                        </p:tgtEl>
+                                        <p:attrNameLst>
+                                          <p:attrName>style.visibility</p:attrName>
+                                        </p:attrNameLst>
+                                      </p:cBhvr>
+                                      <p:to>
+                                        <p:strVal val="visible"/>
+                                      </p:to>
+                                    </p:set>
+                                  </p:childTnLst>
+                                </p:cTn>
+                              </p:par>
+                            </p:childTnLst>
+                          </p:cTn>
+                        </p:par>
+                      </p:childTnLst>
+                    </p:cTn>
+                  </p:par>
+                  <p:par>
+                    <p:cTn id="19" fill="hold">
+                      <p:stCondLst>
+                        <p:cond delay="indefinite"/>
+                      </p:stCondLst>
+                      <p:childTnLst>
+                        <p:par>
+                          <p:cTn id="20" fill="hold">
+                            <p:stCondLst>
+                              <p:cond delay="0"/>
+                            </p:stCondLst>
+                            <p:childTnLst>
+                              <p:par>
+                                <p:cTn id="21" presetID="1" presetClass="entr" presetSubtype="0" fill="hold" grpId="0" nodeType="clickEffect">
+                                  <p:stCondLst>
+                                    <p:cond delay="0"/>
+                                  </p:stCondLst>
+                                  <p:childTnLst>
+                                    <p:set>
+                                      <p:cBhvr>
+                                        <p:cTn id="22" dur="1" fill="hold">
+                                          <p:stCondLst>
+                                            <p:cond delay="0"/>
+                                          </p:stCondLst>
+                                        </p:cTn>
+                                        <p:tgtEl>
+                                          <p:spTgt spid="3">
+                                            <p:txEl>
+                                              <p:pRg st="4" end="4"/>
                                             </p:txEl>
                                           </p:spTgt>
                                         </p:tgtEl>

--- a/Bezpieczeństwo/Hasła.pptx
+++ b/Bezpieczeństwo/Hasła.pptx
@@ -10,9 +10,10 @@
     <p:sldId id="265" r:id="rId4"/>
     <p:sldId id="262" r:id="rId5"/>
     <p:sldId id="259" r:id="rId6"/>
-    <p:sldId id="260" r:id="rId7"/>
+    <p:sldId id="266" r:id="rId7"/>
     <p:sldId id="261" r:id="rId8"/>
     <p:sldId id="263" r:id="rId9"/>
+    <p:sldId id="267" r:id="rId10"/>
   </p:sldIdLst>
   <p:sldSz cx="12192000" cy="6858000"/>
   <p:notesSz cx="6858000" cy="9144000"/>
@@ -1330,7 +1331,7 @@
           <a:p>
             <a:fld id="{C6836522-8226-5C45-B12B-C5E5F8B0FBC0}" type="datetimeFigureOut">
               <a:rPr lang="pl-PL" smtClean="0"/>
-              <a:t>19.06.2018</a:t>
+              <a:t>25.10.2022</a:t>
             </a:fld>
             <a:endParaRPr lang="pl-PL"/>
           </a:p>
@@ -1544,7 +1545,7 @@
           <a:p>
             <a:fld id="{C6836522-8226-5C45-B12B-C5E5F8B0FBC0}" type="datetimeFigureOut">
               <a:rPr lang="pl-PL" smtClean="0"/>
-              <a:t>19.06.2018</a:t>
+              <a:t>25.10.2022</a:t>
             </a:fld>
             <a:endParaRPr lang="pl-PL"/>
           </a:p>
@@ -1700,7 +1701,7 @@
           <a:p>
             <a:fld id="{C6836522-8226-5C45-B12B-C5E5F8B0FBC0}" type="datetimeFigureOut">
               <a:rPr lang="pl-PL" smtClean="0"/>
-              <a:t>19.06.2018</a:t>
+              <a:t>25.10.2022</a:t>
             </a:fld>
             <a:endParaRPr lang="pl-PL"/>
           </a:p>
@@ -1846,7 +1847,7 @@
           <a:p>
             <a:fld id="{C6836522-8226-5C45-B12B-C5E5F8B0FBC0}" type="datetimeFigureOut">
               <a:rPr lang="pl-PL" smtClean="0"/>
-              <a:t>19.06.2018</a:t>
+              <a:t>25.10.2022</a:t>
             </a:fld>
             <a:endParaRPr lang="pl-PL"/>
           </a:p>
@@ -2124,7 +2125,7 @@
           <a:p>
             <a:fld id="{C6836522-8226-5C45-B12B-C5E5F8B0FBC0}" type="datetimeFigureOut">
               <a:rPr lang="pl-PL" smtClean="0"/>
-              <a:t>19.06.2018</a:t>
+              <a:t>25.10.2022</a:t>
             </a:fld>
             <a:endParaRPr lang="pl-PL"/>
           </a:p>
@@ -3277,7 +3278,7 @@
           <a:p>
             <a:fld id="{C6836522-8226-5C45-B12B-C5E5F8B0FBC0}" type="datetimeFigureOut">
               <a:rPr lang="pl-PL" smtClean="0"/>
-              <a:t>19.06.2018</a:t>
+              <a:t>25.10.2022</a:t>
             </a:fld>
             <a:endParaRPr lang="pl-PL"/>
           </a:p>
@@ -3335,7 +3336,7 @@
   <p:clrMapOvr>
     <a:masterClrMapping/>
   </p:clrMapOvr>
-  <p:extLst mod="1">
+  <p:extLst>
     <p:ext uri="{DCECCB84-F9BA-43D5-87BE-67443E8EF086}">
       <p15:sldGuideLst xmlns:p15="http://schemas.microsoft.com/office/powerpoint/2012/main"/>
     </p:ext>
@@ -3629,7 +3630,7 @@
           <a:p>
             <a:fld id="{C6836522-8226-5C45-B12B-C5E5F8B0FBC0}" type="datetimeFigureOut">
               <a:rPr lang="pl-PL" smtClean="0"/>
-              <a:t>19.06.2018</a:t>
+              <a:t>25.10.2022</a:t>
             </a:fld>
             <a:endParaRPr lang="pl-PL"/>
           </a:p>
@@ -3687,7 +3688,7 @@
   <p:clrMapOvr>
     <a:masterClrMapping/>
   </p:clrMapOvr>
-  <p:extLst mod="1">
+  <p:extLst>
     <p:ext uri="{DCECCB84-F9BA-43D5-87BE-67443E8EF086}">
       <p15:sldGuideLst xmlns:p15="http://schemas.microsoft.com/office/powerpoint/2012/main"/>
     </p:ext>
@@ -3752,7 +3753,7 @@
           <a:p>
             <a:fld id="{C6836522-8226-5C45-B12B-C5E5F8B0FBC0}" type="datetimeFigureOut">
               <a:rPr lang="pl-PL" smtClean="0"/>
-              <a:t>19.06.2018</a:t>
+              <a:t>25.10.2022</a:t>
             </a:fld>
             <a:endParaRPr lang="pl-PL"/>
           </a:p>
@@ -3847,7 +3848,7 @@
           <a:p>
             <a:fld id="{C6836522-8226-5C45-B12B-C5E5F8B0FBC0}" type="datetimeFigureOut">
               <a:rPr lang="pl-PL" smtClean="0"/>
-              <a:t>19.06.2018</a:t>
+              <a:t>25.10.2022</a:t>
             </a:fld>
             <a:endParaRPr lang="pl-PL"/>
           </a:p>
@@ -4591,7 +4592,7 @@
           <a:p>
             <a:fld id="{C6836522-8226-5C45-B12B-C5E5F8B0FBC0}" type="datetimeFigureOut">
               <a:rPr lang="pl-PL" smtClean="0"/>
-              <a:t>19.06.2018</a:t>
+              <a:t>25.10.2022</a:t>
             </a:fld>
             <a:endParaRPr lang="pl-PL"/>
           </a:p>
@@ -4697,7 +4698,7 @@
   <p:clrMapOvr>
     <a:masterClrMapping/>
   </p:clrMapOvr>
-  <p:extLst mod="1">
+  <p:extLst>
     <p:ext uri="{DCECCB84-F9BA-43D5-87BE-67443E8EF086}">
       <p15:sldGuideLst xmlns:p15="http://schemas.microsoft.com/office/powerpoint/2012/main">
         <p15:guide id="1" orient="horz" pos="696">
@@ -5436,7 +5437,7 @@
           <a:p>
             <a:fld id="{C6836522-8226-5C45-B12B-C5E5F8B0FBC0}" type="datetimeFigureOut">
               <a:rPr lang="pl-PL" smtClean="0"/>
-              <a:t>19.06.2018</a:t>
+              <a:t>25.10.2022</a:t>
             </a:fld>
             <a:endParaRPr lang="pl-PL"/>
           </a:p>
@@ -5639,7 +5640,7 @@
           <a:p>
             <a:fld id="{C6836522-8226-5C45-B12B-C5E5F8B0FBC0}" type="datetimeFigureOut">
               <a:rPr lang="pl-PL" smtClean="0"/>
-              <a:t>19.06.2018</a:t>
+              <a:t>25.10.2022</a:t>
             </a:fld>
             <a:endParaRPr lang="pl-PL"/>
           </a:p>
@@ -6582,7 +6583,7 @@
       </a:lvl9pPr>
     </p:otherStyle>
   </p:txStyles>
-  <p:extLst mod="1">
+  <p:extLst>
     <p:ext uri="{27BBF7A9-308A-43DC-89C8-2F10F3537804}">
       <p15:sldGuideLst xmlns:p15="http://schemas.microsoft.com/office/powerpoint/2012/main">
         <p15:guide id="1" pos="792">
@@ -6689,7 +6690,7 @@
           <a:p>
             <a:r>
               <a:rPr lang="pl-PL" dirty="0"/>
-              <a:t>Trochę statystyk na temat tego, jak chronimy swoje dane</a:t>
+              <a:t>Trochę statystyk na temat tego, jak chronić swoje dane</a:t>
             </a:r>
           </a:p>
         </p:txBody>
@@ -6742,7 +6743,7 @@
         </p:nvSpPr>
         <p:spPr/>
         <p:txBody>
-          <a:bodyPr/>
+          <a:bodyPr anchor="ctr"/>
           <a:lstStyle/>
           <a:p>
             <a:r>
@@ -7287,7 +7288,7 @@
         </p:nvSpPr>
         <p:spPr/>
         <p:txBody>
-          <a:bodyPr/>
+          <a:bodyPr anchor="ctr"/>
           <a:lstStyle/>
           <a:p>
             <a:r>
@@ -7320,9 +7321,14 @@
           </a:xfrm>
         </p:spPr>
         <p:txBody>
-          <a:bodyPr/>
+          <a:bodyPr anchor="ctr"/>
           <a:lstStyle/>
           <a:p>
+            <a:pPr>
+              <a:spcAft>
+                <a:spcPts val="600"/>
+              </a:spcAft>
+            </a:pPr>
             <a:r>
               <a:rPr lang="pl-PL" sz="2400" dirty="0"/>
               <a:t>Firma </a:t>
@@ -7349,6 +7355,11 @@
             </a:r>
           </a:p>
           <a:p>
+            <a:pPr>
+              <a:spcAft>
+                <a:spcPts val="600"/>
+              </a:spcAft>
+            </a:pPr>
             <a:r>
               <a:rPr lang="pl-PL" sz="2400" dirty="0"/>
               <a:t>Odkryli, że </a:t>
@@ -7379,9 +7390,14 @@
             </a:r>
           </a:p>
           <a:p>
+            <a:pPr>
+              <a:spcAft>
+                <a:spcPts val="600"/>
+              </a:spcAft>
+            </a:pPr>
             <a:r>
               <a:rPr lang="pl-PL" sz="2400" dirty="0"/>
-              <a:t>W ciągu ostatnich kilku lat lista </a:t>
+              <a:t>Na przestrzeni lat lista </a:t>
             </a:r>
             <a:r>
               <a:rPr lang="pl-PL" sz="2400" b="1" dirty="0">
@@ -7389,10 +7405,15 @@
                   <a:schemeClr val="accent6"/>
                 </a:solidFill>
               </a:rPr>
-              <a:t>10 najpopularniejszych haseł niewiele się zmieniła</a:t>
+              <a:t>10 najpopularniejszych haseł niewiele się zmienia</a:t>
             </a:r>
           </a:p>
           <a:p>
+            <a:pPr>
+              <a:spcAft>
+                <a:spcPts val="600"/>
+              </a:spcAft>
+            </a:pPr>
             <a:r>
               <a:rPr lang="pl-PL" sz="2400" dirty="0"/>
               <a:t>Gdy ludzie muszą dodać cyfrę do swojego hasła, zazwyczaj dodają </a:t>
@@ -7405,9 +7426,6 @@
               </a:rPr>
               <a:t>1 lub 2 na końcu</a:t>
             </a:r>
-          </a:p>
-          <a:p>
-            <a:endParaRPr lang="pl-PL" dirty="0"/>
           </a:p>
         </p:txBody>
       </p:sp>
@@ -7688,7 +7706,7 @@
         </p:nvSpPr>
         <p:spPr/>
         <p:txBody>
-          <a:bodyPr/>
+          <a:bodyPr anchor="ctr"/>
           <a:lstStyle/>
           <a:p>
             <a:r>
@@ -7698,122 +7716,199 @@
           </a:p>
         </p:txBody>
       </p:sp>
-      <p:sp>
-        <p:nvSpPr>
-          <p:cNvPr id="3" name="Symbol zastępczy zawartości 2">
-            <a:extLst>
-              <a:ext uri="{FF2B5EF4-FFF2-40B4-BE49-F238E27FC236}">
-                <a16:creationId xmlns:a16="http://schemas.microsoft.com/office/drawing/2014/main" id="{A600F039-3553-364D-BC82-1C8DDCFA4C7A}"/>
-              </a:ext>
-            </a:extLst>
-          </p:cNvPr>
-          <p:cNvSpPr>
-            <a:spLocks noGrp="1"/>
-          </p:cNvSpPr>
-          <p:nvPr>
-            <p:ph idx="1"/>
-          </p:nvPr>
-        </p:nvSpPr>
-        <p:spPr>
-          <a:xfrm>
-            <a:off x="1251678" y="1874517"/>
-            <a:ext cx="10178322" cy="4005075"/>
-          </a:xfrm>
-        </p:spPr>
-        <p:txBody>
-          <a:bodyPr>
-            <a:normAutofit/>
-          </a:bodyPr>
-          <a:lstStyle/>
-          <a:p>
-            <a:r>
-              <a:rPr lang="pl-PL" sz="2400" dirty="0"/>
-              <a:t>Wielu ekspertów uważa, że </a:t>
-            </a:r>
-            <a:r>
-              <a:rPr lang="pl-PL" sz="2400" dirty="0">
-                <a:solidFill>
-                  <a:schemeClr val="accent2"/>
-                </a:solidFill>
-              </a:rPr>
-              <a:t>częste zmiany haseł w rzeczywistości pogorszyły bezpieczeństwo</a:t>
-            </a:r>
-          </a:p>
-          <a:p>
-            <a:r>
-              <a:rPr lang="pl-PL" sz="2400" dirty="0"/>
-              <a:t>Jest to spowodowane tym, że ludzie najczęściej używają </a:t>
-            </a:r>
-            <a:r>
-              <a:rPr lang="pl-PL" sz="2400" dirty="0">
-                <a:solidFill>
-                  <a:schemeClr val="accent2"/>
-                </a:solidFill>
-              </a:rPr>
-              <a:t>tego samego hasła z niewielką zmianą</a:t>
-            </a:r>
-            <a:r>
-              <a:rPr lang="pl-PL" sz="2400" dirty="0"/>
-              <a:t>, np. dodając numer miesiąca na końcu</a:t>
-            </a:r>
-          </a:p>
-          <a:p>
-            <a:r>
-              <a:rPr lang="pl-PL" sz="2400" b="1" dirty="0">
-                <a:solidFill>
-                  <a:schemeClr val="accent4"/>
-                </a:solidFill>
-              </a:rPr>
-              <a:t>Dwie trzecie</a:t>
-            </a:r>
-            <a:r>
-              <a:rPr lang="pl-PL" sz="2400" dirty="0">
-                <a:solidFill>
-                  <a:schemeClr val="accent4"/>
-                </a:solidFill>
-              </a:rPr>
-              <a:t> </a:t>
-            </a:r>
-            <a:r>
-              <a:rPr lang="pl-PL" sz="2400" dirty="0"/>
-              <a:t>ludzi używa </a:t>
-            </a:r>
-            <a:r>
-              <a:rPr lang="pl-PL" sz="2400" b="1" dirty="0">
-                <a:solidFill>
-                  <a:schemeClr val="accent4"/>
-                </a:solidFill>
-              </a:rPr>
-              <a:t>nie więcej niż dwóch haseł </a:t>
-            </a:r>
-            <a:r>
-              <a:rPr lang="pl-PL" sz="2400" dirty="0"/>
-              <a:t>do wszystkich swoich kont internetowych</a:t>
-            </a:r>
-          </a:p>
-          <a:p>
-            <a:r>
-              <a:rPr lang="pl-PL" sz="2400" dirty="0"/>
-              <a:t>Lista 10000 najpopularniejszych haseł:</a:t>
-            </a:r>
-          </a:p>
-          <a:p>
-            <a:pPr marL="0" indent="0" algn="ctr">
-              <a:buNone/>
-            </a:pPr>
-            <a:r>
-              <a:rPr lang="pl-PL" sz="2400" dirty="0">
-                <a:hlinkClick r:id="rId2"/>
-              </a:rPr>
-              <a:t>http://www.passwordrandom.com/most-popular-passwords</a:t>
-            </a:r>
-            <a:endParaRPr lang="pl-PL" sz="2400" dirty="0"/>
-          </a:p>
-          <a:p>
-            <a:endParaRPr lang="pl-PL" sz="2400" dirty="0"/>
-          </a:p>
-        </p:txBody>
-      </p:sp>
+      <mc:AlternateContent xmlns:mc="http://schemas.openxmlformats.org/markup-compatibility/2006">
+        <mc:Choice xmlns:a14="http://schemas.microsoft.com/office/drawing/2010/main" Requires="a14">
+          <p:sp>
+            <p:nvSpPr>
+              <p:cNvPr id="3" name="Symbol zastępczy zawartości 2">
+                <a:extLst>
+                  <a:ext uri="{FF2B5EF4-FFF2-40B4-BE49-F238E27FC236}">
+                    <a16:creationId xmlns:a16="http://schemas.microsoft.com/office/drawing/2014/main" id="{A600F039-3553-364D-BC82-1C8DDCFA4C7A}"/>
+                  </a:ext>
+                </a:extLst>
+              </p:cNvPr>
+              <p:cNvSpPr>
+                <a:spLocks noGrp="1"/>
+              </p:cNvSpPr>
+              <p:nvPr>
+                <p:ph idx="1"/>
+              </p:nvPr>
+            </p:nvSpPr>
+            <p:spPr>
+              <a:xfrm>
+                <a:off x="1251678" y="1874517"/>
+                <a:ext cx="10178322" cy="4005075"/>
+              </a:xfrm>
+            </p:spPr>
+            <p:txBody>
+              <a:bodyPr anchor="ctr">
+                <a:normAutofit/>
+              </a:bodyPr>
+              <a:lstStyle/>
+              <a:p>
+                <a:pPr>
+                  <a:spcAft>
+                    <a:spcPts val="600"/>
+                  </a:spcAft>
+                </a:pPr>
+                <a:r>
+                  <a:rPr lang="pl-PL" sz="2400" dirty="0"/>
+                  <a:t>Wielu ekspertów uważa, że </a:t>
+                </a:r>
+                <a:r>
+                  <a:rPr lang="pl-PL" sz="2400" dirty="0">
+                    <a:solidFill>
+                      <a:schemeClr val="accent2"/>
+                    </a:solidFill>
+                  </a:rPr>
+                  <a:t>częste zmiany haseł w rzeczywistości pogorszyły bezpieczeństwo</a:t>
+                </a:r>
+              </a:p>
+              <a:p>
+                <a:pPr>
+                  <a:spcAft>
+                    <a:spcPts val="600"/>
+                  </a:spcAft>
+                </a:pPr>
+                <a:r>
+                  <a:rPr lang="pl-PL" sz="2400" dirty="0"/>
+                  <a:t>Jest to spowodowane tym, że ludzie najczęściej używają </a:t>
+                </a:r>
+                <a:r>
+                  <a:rPr lang="pl-PL" sz="2400" dirty="0">
+                    <a:solidFill>
+                      <a:schemeClr val="accent2"/>
+                    </a:solidFill>
+                  </a:rPr>
+                  <a:t>tego samego hasła z niewielką zmianą</a:t>
+                </a:r>
+                <a:r>
+                  <a:rPr lang="pl-PL" sz="2400" dirty="0"/>
+                  <a:t>, np. dodając numer miesiąca na końcu</a:t>
+                </a:r>
+              </a:p>
+              <a:p>
+                <a:pPr>
+                  <a:spcAft>
+                    <a:spcPts val="600"/>
+                  </a:spcAft>
+                </a:pPr>
+                <a:r>
+                  <a:rPr lang="pl-PL" sz="2400" dirty="0"/>
+                  <a:t>Wiele osób</a:t>
+                </a:r>
+                <a:r>
+                  <a:rPr lang="pl-PL" sz="2400" b="1" dirty="0">
+                    <a:solidFill>
+                      <a:schemeClr val="accent4"/>
+                    </a:solidFill>
+                  </a:rPr>
+                  <a:t> </a:t>
+                </a:r>
+                <a:r>
+                  <a:rPr lang="pl-PL" sz="2400" dirty="0"/>
+                  <a:t>używa </a:t>
+                </a:r>
+                <a:r>
+                  <a:rPr lang="pl-PL" sz="2400" b="1" dirty="0">
+                    <a:solidFill>
+                      <a:schemeClr val="accent4"/>
+                    </a:solidFill>
+                  </a:rPr>
+                  <a:t>nie więcej niż dwóch haseł </a:t>
+                </a:r>
+                <a:r>
+                  <a:rPr lang="pl-PL" sz="2400" dirty="0"/>
+                  <a:t>do wszystkich swoich kont internetowych</a:t>
+                </a:r>
+              </a:p>
+              <a:p>
+                <a:pPr>
+                  <a:spcAft>
+                    <a:spcPts val="600"/>
+                  </a:spcAft>
+                </a:pPr>
+                <a:r>
+                  <a:rPr lang="pl-PL" sz="2400" dirty="0"/>
+                  <a:t>Lista </a:t>
+                </a:r>
+                <a14:m>
+                  <m:oMath xmlns:m="http://schemas.openxmlformats.org/officeDocument/2006/math">
+                    <m:r>
+                      <a:rPr lang="pl-PL" sz="2400" b="0" i="1" smtClean="0">
+                        <a:latin typeface="Cambria Math" panose="02040503050406030204" pitchFamily="18" charset="0"/>
+                      </a:rPr>
+                      <m:t>10000</m:t>
+                    </m:r>
+                  </m:oMath>
+                </a14:m>
+                <a:r>
+                  <a:rPr lang="pl-PL" sz="2400" dirty="0"/>
+                  <a:t> najpopularniejszych haseł:</a:t>
+                </a:r>
+              </a:p>
+              <a:p>
+                <a:pPr marL="0" indent="0" algn="ctr">
+                  <a:spcAft>
+                    <a:spcPts val="600"/>
+                  </a:spcAft>
+                  <a:buNone/>
+                </a:pPr>
+                <a:r>
+                  <a:rPr lang="pl-PL" sz="2400" dirty="0">
+                    <a:hlinkClick r:id="rId2"/>
+                  </a:rPr>
+                  <a:t>http://www.passwordrandom.com/most-popular-passwords</a:t>
+                </a:r>
+                <a:endParaRPr lang="pl-PL" sz="2400" dirty="0"/>
+              </a:p>
+            </p:txBody>
+          </p:sp>
+        </mc:Choice>
+        <mc:Fallback>
+          <p:sp>
+            <p:nvSpPr>
+              <p:cNvPr id="3" name="Symbol zastępczy zawartości 2">
+                <a:extLst>
+                  <a:ext uri="{FF2B5EF4-FFF2-40B4-BE49-F238E27FC236}">
+                    <a16:creationId xmlns:a16="http://schemas.microsoft.com/office/drawing/2014/main" id="{A600F039-3553-364D-BC82-1C8DDCFA4C7A}"/>
+                  </a:ext>
+                </a:extLst>
+              </p:cNvPr>
+              <p:cNvSpPr>
+                <a:spLocks noGrp="1" noRot="1" noChangeAspect="1" noMove="1" noResize="1" noEditPoints="1" noAdjustHandles="1" noChangeArrowheads="1" noChangeShapeType="1" noTextEdit="1"/>
+              </p:cNvSpPr>
+              <p:nvPr>
+                <p:ph idx="1"/>
+              </p:nvPr>
+            </p:nvSpPr>
+            <p:spPr>
+              <a:xfrm>
+                <a:off x="1251678" y="1874517"/>
+                <a:ext cx="10178322" cy="4005075"/>
+              </a:xfrm>
+              <a:blipFill>
+                <a:blip r:embed="rId3"/>
+                <a:stretch>
+                  <a:fillRect l="-778" b="-2736"/>
+                </a:stretch>
+              </a:blipFill>
+            </p:spPr>
+            <p:txBody>
+              <a:bodyPr/>
+              <a:lstStyle/>
+              <a:p>
+                <a:r>
+                  <a:rPr lang="en-US">
+                    <a:noFill/>
+                  </a:rPr>
+                  <a:t> </a:t>
+                </a:r>
+              </a:p>
+            </p:txBody>
+          </p:sp>
+        </mc:Fallback>
+      </mc:AlternateContent>
     </p:spTree>
     <p:extLst>
       <p:ext uri="{BB962C8B-B14F-4D97-AF65-F5344CB8AC3E}">
@@ -8140,7 +8235,7 @@
         </p:nvSpPr>
         <p:spPr/>
         <p:txBody>
-          <a:bodyPr/>
+          <a:bodyPr anchor="ctr"/>
           <a:lstStyle/>
           <a:p>
             <a:r>
@@ -8173,56 +8268,19 @@
           </a:xfrm>
         </p:spPr>
         <p:txBody>
-          <a:bodyPr>
+          <a:bodyPr anchor="ctr">
             <a:normAutofit/>
           </a:bodyPr>
           <a:lstStyle/>
           <a:p>
+            <a:pPr>
+              <a:spcAft>
+                <a:spcPts val="1200"/>
+              </a:spcAft>
+            </a:pPr>
             <a:r>
               <a:rPr lang="pl-PL" sz="2400" dirty="0"/>
-              <a:t>Obecnie mówi się, że minimalna długość hasła, by uniknąć ataku typu </a:t>
-            </a:r>
-            <a:r>
-              <a:rPr lang="pl-PL" sz="2400" b="1" dirty="0" err="1">
-                <a:solidFill>
-                  <a:schemeClr val="accent2"/>
-                </a:solidFill>
-              </a:rPr>
-              <a:t>brute</a:t>
-            </a:r>
-            <a:r>
-              <a:rPr lang="pl-PL" sz="2400" b="1" dirty="0">
-                <a:solidFill>
-                  <a:schemeClr val="accent2"/>
-                </a:solidFill>
-              </a:rPr>
-              <a:t> </a:t>
-            </a:r>
-            <a:r>
-              <a:rPr lang="pl-PL" sz="2400" b="1" dirty="0" err="1">
-                <a:solidFill>
-                  <a:schemeClr val="accent2"/>
-                </a:solidFill>
-              </a:rPr>
-              <a:t>force</a:t>
-            </a:r>
-            <a:r>
-              <a:rPr lang="pl-PL" sz="2400" dirty="0"/>
-              <a:t>, to </a:t>
-            </a:r>
-            <a:r>
-              <a:rPr lang="pl-PL" sz="2400" b="1" dirty="0">
-                <a:solidFill>
-                  <a:schemeClr val="accent4"/>
-                </a:solidFill>
-              </a:rPr>
-              <a:t>13 znaków</a:t>
-            </a:r>
-          </a:p>
-          <a:p>
-            <a:r>
-              <a:rPr lang="pl-PL" sz="2400" dirty="0"/>
-              <a:t>W 2012 roku eksperci odkryli środowisko składające się z </a:t>
+              <a:t>W 2012 roku eksperci stworzyli środowisko składające się z </a:t>
             </a:r>
             <a:r>
               <a:rPr lang="pl-PL" sz="2400" b="1" dirty="0">
@@ -8246,6 +8304,11 @@
             </a:r>
           </a:p>
           <a:p>
+            <a:pPr>
+              <a:spcAft>
+                <a:spcPts val="1200"/>
+              </a:spcAft>
+            </a:pPr>
             <a:r>
               <a:rPr lang="pl-PL" sz="2400" dirty="0"/>
               <a:t>Układ ten pozwalał na sprawdzanie </a:t>
@@ -8260,6 +8323,11 @@
             </a:r>
           </a:p>
           <a:p>
+            <a:pPr>
+              <a:spcAft>
+                <a:spcPts val="1200"/>
+              </a:spcAft>
+            </a:pPr>
             <a:r>
               <a:rPr lang="pl-PL" sz="2400" dirty="0"/>
               <a:t>Umożliwiało to sprawdzenie każdego możliwego kodu systemu Windows w </a:t>
@@ -8272,12 +8340,7 @@
               </a:rPr>
               <a:t>mniej niż sześć godzin</a:t>
             </a:r>
-          </a:p>
-          <a:p>
-            <a:r>
-              <a:rPr lang="pl-PL" sz="2400" dirty="0"/>
-              <a:t>Od tamtego czasu nie powstała szybsza maszyna</a:t>
-            </a:r>
+            <a:endParaRPr lang="pl-PL" sz="2400" dirty="0"/>
           </a:p>
         </p:txBody>
       </p:sp>
@@ -8446,104 +8509,6 @@
                       </p:childTnLst>
                     </p:cTn>
                   </p:par>
-                  <p:par>
-                    <p:cTn id="15" fill="hold">
-                      <p:stCondLst>
-                        <p:cond delay="indefinite"/>
-                      </p:stCondLst>
-                      <p:childTnLst>
-                        <p:par>
-                          <p:cTn id="16" fill="hold">
-                            <p:stCondLst>
-                              <p:cond delay="0"/>
-                            </p:stCondLst>
-                            <p:childTnLst>
-                              <p:par>
-                                <p:cTn id="17" presetID="1" presetClass="entr" presetSubtype="0" fill="hold" grpId="0" nodeType="clickEffect">
-                                  <p:stCondLst>
-                                    <p:cond delay="0"/>
-                                  </p:stCondLst>
-                                  <p:childTnLst>
-                                    <p:set>
-                                      <p:cBhvr>
-                                        <p:cTn id="18" dur="1" fill="hold">
-                                          <p:stCondLst>
-                                            <p:cond delay="0"/>
-                                          </p:stCondLst>
-                                        </p:cTn>
-                                        <p:tgtEl>
-                                          <p:spTgt spid="3">
-                                            <p:txEl>
-                                              <p:pRg st="3" end="3"/>
-                                            </p:txEl>
-                                          </p:spTgt>
-                                        </p:tgtEl>
-                                        <p:attrNameLst>
-                                          <p:attrName>style.visibility</p:attrName>
-                                        </p:attrNameLst>
-                                      </p:cBhvr>
-                                      <p:to>
-                                        <p:strVal val="visible"/>
-                                      </p:to>
-                                    </p:set>
-                                  </p:childTnLst>
-                                </p:cTn>
-                              </p:par>
-                            </p:childTnLst>
-                          </p:cTn>
-                        </p:par>
-                      </p:childTnLst>
-                    </p:cTn>
-                  </p:par>
-                  <p:par>
-                    <p:cTn id="19" fill="hold">
-                      <p:stCondLst>
-                        <p:cond delay="indefinite"/>
-                      </p:stCondLst>
-                      <p:childTnLst>
-                        <p:par>
-                          <p:cTn id="20" fill="hold">
-                            <p:stCondLst>
-                              <p:cond delay="0"/>
-                            </p:stCondLst>
-                            <p:childTnLst>
-                              <p:par>
-                                <p:cTn id="21" presetID="1" presetClass="entr" presetSubtype="0" fill="hold" grpId="0" nodeType="clickEffect">
-                                  <p:stCondLst>
-                                    <p:cond delay="0"/>
-                                  </p:stCondLst>
-                                  <p:childTnLst>
-                                    <p:set>
-                                      <p:cBhvr>
-                                        <p:cTn id="22" dur="1" fill="hold">
-                                          <p:stCondLst>
-                                            <p:cond delay="0"/>
-                                          </p:stCondLst>
-                                        </p:cTn>
-                                        <p:tgtEl>
-                                          <p:spTgt spid="3">
-                                            <p:txEl>
-                                              <p:pRg st="4" end="4"/>
-                                            </p:txEl>
-                                          </p:spTgt>
-                                        </p:tgtEl>
-                                        <p:attrNameLst>
-                                          <p:attrName>style.visibility</p:attrName>
-                                        </p:attrNameLst>
-                                      </p:cBhvr>
-                                      <p:to>
-                                        <p:strVal val="visible"/>
-                                      </p:to>
-                                    </p:set>
-                                  </p:childTnLst>
-                                </p:cTn>
-                              </p:par>
-                            </p:childTnLst>
-                          </p:cTn>
-                        </p:par>
-                      </p:childTnLst>
-                    </p:cTn>
-                  </p:par>
                 </p:childTnLst>
               </p:cTn>
               <p:prevCondLst>
@@ -8575,6 +8540,14 @@
 <file path=ppt/slides/slide6.xml><?xml version="1.0" encoding="utf-8"?>
 <p:sld xmlns:a="http://schemas.openxmlformats.org/drawingml/2006/main" xmlns:r="http://schemas.openxmlformats.org/officeDocument/2006/relationships" xmlns:p="http://schemas.openxmlformats.org/presentationml/2006/main">
   <p:cSld>
+    <p:bg>
+      <p:bgPr>
+        <a:solidFill>
+          <a:schemeClr val="bg1"/>
+        </a:solidFill>
+        <a:effectLst/>
+      </p:bgPr>
+    </p:bg>
     <p:spTree>
       <p:nvGrpSpPr>
         <p:cNvPr id="1" name=""/>
@@ -8589,12 +8562,704 @@
           <a:chExt cx="0" cy="0"/>
         </a:xfrm>
       </p:grpSpPr>
+      <p:sp useBgFill="1">
+        <p:nvSpPr>
+          <p:cNvPr id="12" name="Rectangle 11">
+            <a:extLst>
+              <a:ext uri="{FF2B5EF4-FFF2-40B4-BE49-F238E27FC236}">
+                <a16:creationId xmlns:a16="http://schemas.microsoft.com/office/drawing/2014/main" id="{DC032F75-F5AC-4D84-98D0-DD0FB8A25A27}"/>
+              </a:ext>
+              <a:ext uri="{C183D7F6-B498-43B3-948B-1728B52AA6E4}">
+                <adec:decorative xmlns:adec="http://schemas.microsoft.com/office/drawing/2017/decorative" val="1"/>
+              </a:ext>
+            </a:extLst>
+          </p:cNvPr>
+          <p:cNvSpPr>
+            <a:spLocks noGrp="1" noRot="1" noChangeAspect="1" noMove="1" noResize="1" noEditPoints="1" noAdjustHandles="1" noChangeArrowheads="1" noChangeShapeType="1" noTextEdit="1"/>
+          </p:cNvSpPr>
+          <p:nvPr>
+            <p:extLst>
+              <p:ext uri="{386F3935-93C4-4BCD-93E2-E3B085C9AB24}">
+                <p16:designElem xmlns:p16="http://schemas.microsoft.com/office/powerpoint/2015/main" val="1"/>
+              </p:ext>
+            </p:extLst>
+          </p:nvPr>
+        </p:nvSpPr>
+        <p:spPr bwMode="white">
+          <a:xfrm>
+            <a:off x="0" y="0"/>
+            <a:ext cx="12192000" cy="6858000"/>
+          </a:xfrm>
+          <a:prstGeom prst="rect">
+            <a:avLst/>
+          </a:prstGeom>
+          <a:ln>
+            <a:noFill/>
+          </a:ln>
+        </p:spPr>
+        <p:style>
+          <a:lnRef idx="2">
+            <a:schemeClr val="accent1">
+              <a:shade val="50000"/>
+            </a:schemeClr>
+          </a:lnRef>
+          <a:fillRef idx="1">
+            <a:schemeClr val="accent1"/>
+          </a:fillRef>
+          <a:effectRef idx="0">
+            <a:schemeClr val="accent1"/>
+          </a:effectRef>
+          <a:fontRef idx="minor">
+            <a:schemeClr val="lt1"/>
+          </a:fontRef>
+        </p:style>
+        <p:txBody>
+          <a:bodyPr rot="0" spcFirstLastPara="0" vert="horz" wrap="square" lIns="91440" tIns="45720" rIns="91440" bIns="45720" numCol="1" spcCol="0" rtlCol="0" fromWordArt="0" anchor="ctr" anchorCtr="0" forceAA="0" compatLnSpc="1">
+            <a:prstTxWarp prst="textNoShape">
+              <a:avLst/>
+            </a:prstTxWarp>
+            <a:noAutofit/>
+          </a:bodyPr>
+          <a:lstStyle>
+            <a:defPPr>
+              <a:defRPr lang="en-US"/>
+            </a:defPPr>
+            <a:lvl1pPr marL="0" algn="l" defTabSz="914400" rtl="0" eaLnBrk="1" latinLnBrk="0" hangingPunct="1">
+              <a:defRPr sz="1800" kern="1200">
+                <a:solidFill>
+                  <a:schemeClr val="lt1"/>
+                </a:solidFill>
+                <a:latin typeface="+mn-lt"/>
+                <a:ea typeface="+mn-ea"/>
+                <a:cs typeface="+mn-cs"/>
+              </a:defRPr>
+            </a:lvl1pPr>
+            <a:lvl2pPr marL="457200" algn="l" defTabSz="914400" rtl="0" eaLnBrk="1" latinLnBrk="0" hangingPunct="1">
+              <a:defRPr sz="1800" kern="1200">
+                <a:solidFill>
+                  <a:schemeClr val="lt1"/>
+                </a:solidFill>
+                <a:latin typeface="+mn-lt"/>
+                <a:ea typeface="+mn-ea"/>
+                <a:cs typeface="+mn-cs"/>
+              </a:defRPr>
+            </a:lvl2pPr>
+            <a:lvl3pPr marL="914400" algn="l" defTabSz="914400" rtl="0" eaLnBrk="1" latinLnBrk="0" hangingPunct="1">
+              <a:defRPr sz="1800" kern="1200">
+                <a:solidFill>
+                  <a:schemeClr val="lt1"/>
+                </a:solidFill>
+                <a:latin typeface="+mn-lt"/>
+                <a:ea typeface="+mn-ea"/>
+                <a:cs typeface="+mn-cs"/>
+              </a:defRPr>
+            </a:lvl3pPr>
+            <a:lvl4pPr marL="1371600" algn="l" defTabSz="914400" rtl="0" eaLnBrk="1" latinLnBrk="0" hangingPunct="1">
+              <a:defRPr sz="1800" kern="1200">
+                <a:solidFill>
+                  <a:schemeClr val="lt1"/>
+                </a:solidFill>
+                <a:latin typeface="+mn-lt"/>
+                <a:ea typeface="+mn-ea"/>
+                <a:cs typeface="+mn-cs"/>
+              </a:defRPr>
+            </a:lvl4pPr>
+            <a:lvl5pPr marL="1828800" algn="l" defTabSz="914400" rtl="0" eaLnBrk="1" latinLnBrk="0" hangingPunct="1">
+              <a:defRPr sz="1800" kern="1200">
+                <a:solidFill>
+                  <a:schemeClr val="lt1"/>
+                </a:solidFill>
+                <a:latin typeface="+mn-lt"/>
+                <a:ea typeface="+mn-ea"/>
+                <a:cs typeface="+mn-cs"/>
+              </a:defRPr>
+            </a:lvl5pPr>
+            <a:lvl6pPr marL="2286000" algn="l" defTabSz="914400" rtl="0" eaLnBrk="1" latinLnBrk="0" hangingPunct="1">
+              <a:defRPr sz="1800" kern="1200">
+                <a:solidFill>
+                  <a:schemeClr val="lt1"/>
+                </a:solidFill>
+                <a:latin typeface="+mn-lt"/>
+                <a:ea typeface="+mn-ea"/>
+                <a:cs typeface="+mn-cs"/>
+              </a:defRPr>
+            </a:lvl6pPr>
+            <a:lvl7pPr marL="2743200" algn="l" defTabSz="914400" rtl="0" eaLnBrk="1" latinLnBrk="0" hangingPunct="1">
+              <a:defRPr sz="1800" kern="1200">
+                <a:solidFill>
+                  <a:schemeClr val="lt1"/>
+                </a:solidFill>
+                <a:latin typeface="+mn-lt"/>
+                <a:ea typeface="+mn-ea"/>
+                <a:cs typeface="+mn-cs"/>
+              </a:defRPr>
+            </a:lvl7pPr>
+            <a:lvl8pPr marL="3200400" algn="l" defTabSz="914400" rtl="0" eaLnBrk="1" latinLnBrk="0" hangingPunct="1">
+              <a:defRPr sz="1800" kern="1200">
+                <a:solidFill>
+                  <a:schemeClr val="lt1"/>
+                </a:solidFill>
+                <a:latin typeface="+mn-lt"/>
+                <a:ea typeface="+mn-ea"/>
+                <a:cs typeface="+mn-cs"/>
+              </a:defRPr>
+            </a:lvl8pPr>
+            <a:lvl9pPr marL="3657600" algn="l" defTabSz="914400" rtl="0" eaLnBrk="1" latinLnBrk="0" hangingPunct="1">
+              <a:defRPr sz="1800" kern="1200">
+                <a:solidFill>
+                  <a:schemeClr val="lt1"/>
+                </a:solidFill>
+                <a:latin typeface="+mn-lt"/>
+                <a:ea typeface="+mn-ea"/>
+                <a:cs typeface="+mn-cs"/>
+              </a:defRPr>
+            </a:lvl9pPr>
+          </a:lstStyle>
+          <a:p>
+            <a:pPr algn="ctr"/>
+            <a:endParaRPr lang="en-US"/>
+          </a:p>
+        </p:txBody>
+      </p:sp>
+      <p:sp>
+        <p:nvSpPr>
+          <p:cNvPr id="14" name="Rectangle 13">
+            <a:extLst>
+              <a:ext uri="{FF2B5EF4-FFF2-40B4-BE49-F238E27FC236}">
+                <a16:creationId xmlns:a16="http://schemas.microsoft.com/office/drawing/2014/main" id="{EA21D3B4-EB95-40D8-ADD4-C28637F87A7C}"/>
+              </a:ext>
+              <a:ext uri="{C183D7F6-B498-43B3-948B-1728B52AA6E4}">
+                <adec:decorative xmlns:adec="http://schemas.microsoft.com/office/drawing/2017/decorative" val="1"/>
+              </a:ext>
+            </a:extLst>
+          </p:cNvPr>
+          <p:cNvSpPr>
+            <a:spLocks noGrp="1" noRot="1" noChangeAspect="1" noMove="1" noResize="1" noEditPoints="1" noAdjustHandles="1" noChangeArrowheads="1" noChangeShapeType="1" noTextEdit="1"/>
+          </p:cNvSpPr>
+          <p:nvPr>
+            <p:extLst>
+              <p:ext uri="{386F3935-93C4-4BCD-93E2-E3B085C9AB24}">
+                <p16:designElem xmlns:p16="http://schemas.microsoft.com/office/powerpoint/2015/main" val="1"/>
+              </p:ext>
+            </p:extLst>
+          </p:nvPr>
+        </p:nvSpPr>
+        <p:spPr>
+          <a:xfrm>
+            <a:off x="0" y="0"/>
+            <a:ext cx="283464" cy="6858000"/>
+          </a:xfrm>
+          <a:prstGeom prst="rect">
+            <a:avLst/>
+          </a:prstGeom>
+          <a:solidFill>
+            <a:schemeClr val="accent1"/>
+          </a:solidFill>
+          <a:ln>
+            <a:noFill/>
+          </a:ln>
+        </p:spPr>
+        <p:style>
+          <a:lnRef idx="2">
+            <a:schemeClr val="accent1">
+              <a:shade val="50000"/>
+            </a:schemeClr>
+          </a:lnRef>
+          <a:fillRef idx="1">
+            <a:schemeClr val="accent1"/>
+          </a:fillRef>
+          <a:effectRef idx="0">
+            <a:schemeClr val="accent1"/>
+          </a:effectRef>
+          <a:fontRef idx="minor">
+            <a:schemeClr val="lt1"/>
+          </a:fontRef>
+        </p:style>
+      </p:sp>
+      <p:sp>
+        <p:nvSpPr>
+          <p:cNvPr id="16" name="Freeform 11">
+            <a:extLst>
+              <a:ext uri="{FF2B5EF4-FFF2-40B4-BE49-F238E27FC236}">
+                <a16:creationId xmlns:a16="http://schemas.microsoft.com/office/drawing/2014/main" id="{EC402CCD-3D73-4427-910D-80A619EAD544}"/>
+              </a:ext>
+              <a:ext uri="{C183D7F6-B498-43B3-948B-1728B52AA6E4}">
+                <adec:decorative xmlns:adec="http://schemas.microsoft.com/office/drawing/2017/decorative" val="1"/>
+              </a:ext>
+            </a:extLst>
+          </p:cNvPr>
+          <p:cNvSpPr>
+            <a:spLocks noGrp="1" noRot="1" noChangeAspect="1" noMove="1" noResize="1" noEditPoints="1" noAdjustHandles="1" noChangeArrowheads="1" noChangeShapeType="1" noTextEdit="1"/>
+          </p:cNvSpPr>
+          <p:nvPr>
+            <p:extLst>
+              <p:ext uri="{386F3935-93C4-4BCD-93E2-E3B085C9AB24}">
+                <p16:designElem xmlns:p16="http://schemas.microsoft.com/office/powerpoint/2015/main" val="1"/>
+              </p:ext>
+            </p:extLst>
+          </p:nvPr>
+        </p:nvSpPr>
+        <p:spPr bwMode="auto">
+          <a:xfrm>
+            <a:off x="7548664" y="0"/>
+            <a:ext cx="4643336" cy="6858000"/>
+          </a:xfrm>
+          <a:custGeom>
+            <a:avLst/>
+            <a:gdLst/>
+            <a:ahLst/>
+            <a:cxnLst/>
+            <a:rect l="0" t="0" r="r" b="b"/>
+            <a:pathLst>
+              <a:path w="3025" h="4320">
+                <a:moveTo>
+                  <a:pt x="0" y="0"/>
+                </a:moveTo>
+                <a:lnTo>
+                  <a:pt x="3025" y="0"/>
+                </a:lnTo>
+                <a:lnTo>
+                  <a:pt x="3025" y="4320"/>
+                </a:lnTo>
+                <a:lnTo>
+                  <a:pt x="0" y="4320"/>
+                </a:lnTo>
+                <a:lnTo>
+                  <a:pt x="3" y="4278"/>
+                </a:lnTo>
+                <a:lnTo>
+                  <a:pt x="8" y="4243"/>
+                </a:lnTo>
+                <a:lnTo>
+                  <a:pt x="14" y="4210"/>
+                </a:lnTo>
+                <a:lnTo>
+                  <a:pt x="24" y="4183"/>
+                </a:lnTo>
+                <a:lnTo>
+                  <a:pt x="34" y="4156"/>
+                </a:lnTo>
+                <a:lnTo>
+                  <a:pt x="46" y="4133"/>
+                </a:lnTo>
+                <a:lnTo>
+                  <a:pt x="58" y="4109"/>
+                </a:lnTo>
+                <a:lnTo>
+                  <a:pt x="69" y="4087"/>
+                </a:lnTo>
+                <a:lnTo>
+                  <a:pt x="80" y="4062"/>
+                </a:lnTo>
+                <a:lnTo>
+                  <a:pt x="90" y="4036"/>
+                </a:lnTo>
+                <a:lnTo>
+                  <a:pt x="99" y="4007"/>
+                </a:lnTo>
+                <a:lnTo>
+                  <a:pt x="106" y="3976"/>
+                </a:lnTo>
+                <a:lnTo>
+                  <a:pt x="111" y="3938"/>
+                </a:lnTo>
+                <a:lnTo>
+                  <a:pt x="113" y="3895"/>
+                </a:lnTo>
+                <a:lnTo>
+                  <a:pt x="111" y="3851"/>
+                </a:lnTo>
+                <a:lnTo>
+                  <a:pt x="106" y="3815"/>
+                </a:lnTo>
+                <a:lnTo>
+                  <a:pt x="99" y="3782"/>
+                </a:lnTo>
+                <a:lnTo>
+                  <a:pt x="90" y="3752"/>
+                </a:lnTo>
+                <a:lnTo>
+                  <a:pt x="80" y="3726"/>
+                </a:lnTo>
+                <a:lnTo>
+                  <a:pt x="68" y="3702"/>
+                </a:lnTo>
+                <a:lnTo>
+                  <a:pt x="56" y="3679"/>
+                </a:lnTo>
+                <a:lnTo>
+                  <a:pt x="44" y="3655"/>
+                </a:lnTo>
+                <a:lnTo>
+                  <a:pt x="33" y="3630"/>
+                </a:lnTo>
+                <a:lnTo>
+                  <a:pt x="22" y="3604"/>
+                </a:lnTo>
+                <a:lnTo>
+                  <a:pt x="13" y="3575"/>
+                </a:lnTo>
+                <a:lnTo>
+                  <a:pt x="7" y="3542"/>
+                </a:lnTo>
+                <a:lnTo>
+                  <a:pt x="1" y="3504"/>
+                </a:lnTo>
+                <a:lnTo>
+                  <a:pt x="0" y="3461"/>
+                </a:lnTo>
+                <a:lnTo>
+                  <a:pt x="1" y="3418"/>
+                </a:lnTo>
+                <a:lnTo>
+                  <a:pt x="7" y="3380"/>
+                </a:lnTo>
+                <a:lnTo>
+                  <a:pt x="13" y="3347"/>
+                </a:lnTo>
+                <a:lnTo>
+                  <a:pt x="22" y="3319"/>
+                </a:lnTo>
+                <a:lnTo>
+                  <a:pt x="33" y="3292"/>
+                </a:lnTo>
+                <a:lnTo>
+                  <a:pt x="44" y="3267"/>
+                </a:lnTo>
+                <a:lnTo>
+                  <a:pt x="56" y="3244"/>
+                </a:lnTo>
+                <a:lnTo>
+                  <a:pt x="68" y="3222"/>
+                </a:lnTo>
+                <a:lnTo>
+                  <a:pt x="80" y="3197"/>
+                </a:lnTo>
+                <a:lnTo>
+                  <a:pt x="90" y="3171"/>
+                </a:lnTo>
+                <a:lnTo>
+                  <a:pt x="99" y="3142"/>
+                </a:lnTo>
+                <a:lnTo>
+                  <a:pt x="106" y="3109"/>
+                </a:lnTo>
+                <a:lnTo>
+                  <a:pt x="111" y="3071"/>
+                </a:lnTo>
+                <a:lnTo>
+                  <a:pt x="113" y="3028"/>
+                </a:lnTo>
+                <a:lnTo>
+                  <a:pt x="111" y="2985"/>
+                </a:lnTo>
+                <a:lnTo>
+                  <a:pt x="106" y="2947"/>
+                </a:lnTo>
+                <a:lnTo>
+                  <a:pt x="99" y="2914"/>
+                </a:lnTo>
+                <a:lnTo>
+                  <a:pt x="90" y="2885"/>
+                </a:lnTo>
+                <a:lnTo>
+                  <a:pt x="80" y="2858"/>
+                </a:lnTo>
+                <a:lnTo>
+                  <a:pt x="68" y="2834"/>
+                </a:lnTo>
+                <a:lnTo>
+                  <a:pt x="44" y="2787"/>
+                </a:lnTo>
+                <a:lnTo>
+                  <a:pt x="33" y="2763"/>
+                </a:lnTo>
+                <a:lnTo>
+                  <a:pt x="22" y="2736"/>
+                </a:lnTo>
+                <a:lnTo>
+                  <a:pt x="13" y="2707"/>
+                </a:lnTo>
+                <a:lnTo>
+                  <a:pt x="7" y="2674"/>
+                </a:lnTo>
+                <a:lnTo>
+                  <a:pt x="1" y="2637"/>
+                </a:lnTo>
+                <a:lnTo>
+                  <a:pt x="0" y="2593"/>
+                </a:lnTo>
+                <a:lnTo>
+                  <a:pt x="1" y="2550"/>
+                </a:lnTo>
+                <a:lnTo>
+                  <a:pt x="7" y="2512"/>
+                </a:lnTo>
+                <a:lnTo>
+                  <a:pt x="13" y="2479"/>
+                </a:lnTo>
+                <a:lnTo>
+                  <a:pt x="22" y="2451"/>
+                </a:lnTo>
+                <a:lnTo>
+                  <a:pt x="33" y="2424"/>
+                </a:lnTo>
+                <a:lnTo>
+                  <a:pt x="44" y="2401"/>
+                </a:lnTo>
+                <a:lnTo>
+                  <a:pt x="68" y="2354"/>
+                </a:lnTo>
+                <a:lnTo>
+                  <a:pt x="80" y="2329"/>
+                </a:lnTo>
+                <a:lnTo>
+                  <a:pt x="90" y="2303"/>
+                </a:lnTo>
+                <a:lnTo>
+                  <a:pt x="99" y="2274"/>
+                </a:lnTo>
+                <a:lnTo>
+                  <a:pt x="106" y="2241"/>
+                </a:lnTo>
+                <a:lnTo>
+                  <a:pt x="111" y="2203"/>
+                </a:lnTo>
+                <a:lnTo>
+                  <a:pt x="113" y="2159"/>
+                </a:lnTo>
+                <a:lnTo>
+                  <a:pt x="111" y="2117"/>
+                </a:lnTo>
+                <a:lnTo>
+                  <a:pt x="106" y="2079"/>
+                </a:lnTo>
+                <a:lnTo>
+                  <a:pt x="99" y="2046"/>
+                </a:lnTo>
+                <a:lnTo>
+                  <a:pt x="90" y="2017"/>
+                </a:lnTo>
+                <a:lnTo>
+                  <a:pt x="80" y="1991"/>
+                </a:lnTo>
+                <a:lnTo>
+                  <a:pt x="68" y="1966"/>
+                </a:lnTo>
+                <a:lnTo>
+                  <a:pt x="56" y="1943"/>
+                </a:lnTo>
+                <a:lnTo>
+                  <a:pt x="44" y="1919"/>
+                </a:lnTo>
+                <a:lnTo>
+                  <a:pt x="33" y="1896"/>
+                </a:lnTo>
+                <a:lnTo>
+                  <a:pt x="22" y="1869"/>
+                </a:lnTo>
+                <a:lnTo>
+                  <a:pt x="13" y="1841"/>
+                </a:lnTo>
+                <a:lnTo>
+                  <a:pt x="7" y="1807"/>
+                </a:lnTo>
+                <a:lnTo>
+                  <a:pt x="1" y="1770"/>
+                </a:lnTo>
+                <a:lnTo>
+                  <a:pt x="0" y="1727"/>
+                </a:lnTo>
+                <a:lnTo>
+                  <a:pt x="1" y="1683"/>
+                </a:lnTo>
+                <a:lnTo>
+                  <a:pt x="7" y="1646"/>
+                </a:lnTo>
+                <a:lnTo>
+                  <a:pt x="13" y="1613"/>
+                </a:lnTo>
+                <a:lnTo>
+                  <a:pt x="22" y="1583"/>
+                </a:lnTo>
+                <a:lnTo>
+                  <a:pt x="33" y="1557"/>
+                </a:lnTo>
+                <a:lnTo>
+                  <a:pt x="44" y="1533"/>
+                </a:lnTo>
+                <a:lnTo>
+                  <a:pt x="56" y="1509"/>
+                </a:lnTo>
+                <a:lnTo>
+                  <a:pt x="68" y="1486"/>
+                </a:lnTo>
+                <a:lnTo>
+                  <a:pt x="80" y="1461"/>
+                </a:lnTo>
+                <a:lnTo>
+                  <a:pt x="90" y="1435"/>
+                </a:lnTo>
+                <a:lnTo>
+                  <a:pt x="99" y="1406"/>
+                </a:lnTo>
+                <a:lnTo>
+                  <a:pt x="106" y="1373"/>
+                </a:lnTo>
+                <a:lnTo>
+                  <a:pt x="111" y="1335"/>
+                </a:lnTo>
+                <a:lnTo>
+                  <a:pt x="113" y="1292"/>
+                </a:lnTo>
+                <a:lnTo>
+                  <a:pt x="111" y="1249"/>
+                </a:lnTo>
+                <a:lnTo>
+                  <a:pt x="106" y="1211"/>
+                </a:lnTo>
+                <a:lnTo>
+                  <a:pt x="99" y="1178"/>
+                </a:lnTo>
+                <a:lnTo>
+                  <a:pt x="90" y="1149"/>
+                </a:lnTo>
+                <a:lnTo>
+                  <a:pt x="80" y="1123"/>
+                </a:lnTo>
+                <a:lnTo>
+                  <a:pt x="68" y="1098"/>
+                </a:lnTo>
+                <a:lnTo>
+                  <a:pt x="56" y="1076"/>
+                </a:lnTo>
+                <a:lnTo>
+                  <a:pt x="44" y="1053"/>
+                </a:lnTo>
+                <a:lnTo>
+                  <a:pt x="33" y="1028"/>
+                </a:lnTo>
+                <a:lnTo>
+                  <a:pt x="22" y="1001"/>
+                </a:lnTo>
+                <a:lnTo>
+                  <a:pt x="13" y="973"/>
+                </a:lnTo>
+                <a:lnTo>
+                  <a:pt x="7" y="940"/>
+                </a:lnTo>
+                <a:lnTo>
+                  <a:pt x="1" y="902"/>
+                </a:lnTo>
+                <a:lnTo>
+                  <a:pt x="0" y="859"/>
+                </a:lnTo>
+                <a:lnTo>
+                  <a:pt x="1" y="816"/>
+                </a:lnTo>
+                <a:lnTo>
+                  <a:pt x="7" y="778"/>
+                </a:lnTo>
+                <a:lnTo>
+                  <a:pt x="13" y="745"/>
+                </a:lnTo>
+                <a:lnTo>
+                  <a:pt x="22" y="716"/>
+                </a:lnTo>
+                <a:lnTo>
+                  <a:pt x="33" y="690"/>
+                </a:lnTo>
+                <a:lnTo>
+                  <a:pt x="44" y="665"/>
+                </a:lnTo>
+                <a:lnTo>
+                  <a:pt x="56" y="641"/>
+                </a:lnTo>
+                <a:lnTo>
+                  <a:pt x="68" y="618"/>
+                </a:lnTo>
+                <a:lnTo>
+                  <a:pt x="80" y="594"/>
+                </a:lnTo>
+                <a:lnTo>
+                  <a:pt x="90" y="568"/>
+                </a:lnTo>
+                <a:lnTo>
+                  <a:pt x="99" y="538"/>
+                </a:lnTo>
+                <a:lnTo>
+                  <a:pt x="106" y="505"/>
+                </a:lnTo>
+                <a:lnTo>
+                  <a:pt x="111" y="469"/>
+                </a:lnTo>
+                <a:lnTo>
+                  <a:pt x="113" y="424"/>
+                </a:lnTo>
+                <a:lnTo>
+                  <a:pt x="111" y="382"/>
+                </a:lnTo>
+                <a:lnTo>
+                  <a:pt x="106" y="344"/>
+                </a:lnTo>
+                <a:lnTo>
+                  <a:pt x="99" y="313"/>
+                </a:lnTo>
+                <a:lnTo>
+                  <a:pt x="90" y="284"/>
+                </a:lnTo>
+                <a:lnTo>
+                  <a:pt x="80" y="258"/>
+                </a:lnTo>
+                <a:lnTo>
+                  <a:pt x="69" y="233"/>
+                </a:lnTo>
+                <a:lnTo>
+                  <a:pt x="58" y="211"/>
+                </a:lnTo>
+                <a:lnTo>
+                  <a:pt x="46" y="187"/>
+                </a:lnTo>
+                <a:lnTo>
+                  <a:pt x="34" y="164"/>
+                </a:lnTo>
+                <a:lnTo>
+                  <a:pt x="24" y="137"/>
+                </a:lnTo>
+                <a:lnTo>
+                  <a:pt x="14" y="110"/>
+                </a:lnTo>
+                <a:lnTo>
+                  <a:pt x="8" y="77"/>
+                </a:lnTo>
+                <a:lnTo>
+                  <a:pt x="3" y="42"/>
+                </a:lnTo>
+                <a:lnTo>
+                  <a:pt x="0" y="0"/>
+                </a:lnTo>
+                <a:close/>
+              </a:path>
+            </a:pathLst>
+          </a:custGeom>
+          <a:solidFill>
+            <a:schemeClr val="tx2"/>
+          </a:solidFill>
+          <a:ln w="0">
+            <a:noFill/>
+            <a:prstDash val="solid"/>
+            <a:round/>
+            <a:headEnd/>
+            <a:tailEnd/>
+          </a:ln>
+        </p:spPr>
+      </p:sp>
       <p:sp>
         <p:nvSpPr>
           <p:cNvPr id="2" name="Tytuł 1">
             <a:extLst>
               <a:ext uri="{FF2B5EF4-FFF2-40B4-BE49-F238E27FC236}">
-                <a16:creationId xmlns:a16="http://schemas.microsoft.com/office/drawing/2014/main" id="{B752F352-D7DC-D547-ABD7-CB63336A3EE7}"/>
+                <a16:creationId xmlns:a16="http://schemas.microsoft.com/office/drawing/2014/main" id="{B074338B-B72E-E96D-D060-AB7F24E73E7F}"/>
               </a:ext>
             </a:extLst>
           </p:cNvPr>
@@ -8605,24 +9270,70 @@
             <p:ph type="title"/>
           </p:nvPr>
         </p:nvSpPr>
-        <p:spPr/>
+        <p:spPr>
+          <a:xfrm>
+            <a:off x="8339328" y="457200"/>
+            <a:ext cx="3090672" cy="1197864"/>
+          </a:xfrm>
+        </p:spPr>
         <p:txBody>
-          <a:bodyPr/>
+          <a:bodyPr anchor="b">
+            <a:normAutofit/>
+          </a:bodyPr>
           <a:lstStyle/>
           <a:p>
             <a:r>
-              <a:rPr lang="pl-PL" dirty="0"/>
-              <a:t>Łamanie haseł c.d.</a:t>
-            </a:r>
+              <a:rPr lang="pl-PL" sz="1900" dirty="0">
+                <a:solidFill>
+                  <a:schemeClr val="accent1"/>
+                </a:solidFill>
+              </a:rPr>
+              <a:t>Łamanie haseł C.D.</a:t>
+            </a:r>
+            <a:endParaRPr lang="en-US" sz="1900" dirty="0">
+              <a:solidFill>
+                <a:schemeClr val="accent1"/>
+              </a:solidFill>
+            </a:endParaRPr>
           </a:p>
         </p:txBody>
       </p:sp>
+      <p:pic>
+        <p:nvPicPr>
+          <p:cNvPr id="5" name="Symbol zastępczy zawartości 4" descr="Obraz zawierający stół&#10;&#10;Opis wygenerowany automatycznie">
+            <a:extLst>
+              <a:ext uri="{FF2B5EF4-FFF2-40B4-BE49-F238E27FC236}">
+                <a16:creationId xmlns:a16="http://schemas.microsoft.com/office/drawing/2014/main" id="{B1A185D3-ADBC-D593-2A29-C9939A2FD759}"/>
+              </a:ext>
+            </a:extLst>
+          </p:cNvPr>
+          <p:cNvPicPr>
+            <a:picLocks noChangeAspect="1"/>
+          </p:cNvPicPr>
+          <p:nvPr/>
+        </p:nvPicPr>
+        <p:blipFill>
+          <a:blip r:embed="rId2"/>
+          <a:stretch>
+            <a:fillRect/>
+          </a:stretch>
+        </p:blipFill>
+        <p:spPr>
+          <a:xfrm>
+            <a:off x="1265992" y="643464"/>
+            <a:ext cx="5300142" cy="5260391"/>
+          </a:xfrm>
+          <a:prstGeom prst="rect">
+            <a:avLst/>
+          </a:prstGeom>
+        </p:spPr>
+      </p:pic>
       <p:sp>
         <p:nvSpPr>
-          <p:cNvPr id="3" name="Symbol zastępczy zawartości 2">
+          <p:cNvPr id="9" name="Content Placeholder 8">
             <a:extLst>
               <a:ext uri="{FF2B5EF4-FFF2-40B4-BE49-F238E27FC236}">
-                <a16:creationId xmlns:a16="http://schemas.microsoft.com/office/drawing/2014/main" id="{F09493EF-7F34-C24B-966F-DBDE037A8F84}"/>
+                <a16:creationId xmlns:a16="http://schemas.microsoft.com/office/drawing/2014/main" id="{8BEBAC53-E2E3-6508-B0C7-91F07EF2B794}"/>
               </a:ext>
             </a:extLst>
           </p:cNvPr>
@@ -8635,483 +9346,166 @@
         </p:nvSpPr>
         <p:spPr>
           <a:xfrm>
-            <a:off x="1251678" y="1874517"/>
-            <a:ext cx="10178322" cy="4005075"/>
+            <a:off x="8339328" y="1655065"/>
+            <a:ext cx="3090672" cy="4224528"/>
           </a:xfrm>
         </p:spPr>
         <p:txBody>
-          <a:bodyPr>
-            <a:normAutofit/>
+          <a:bodyPr anchor="ctr">
+            <a:normAutofit lnSpcReduction="10000"/>
           </a:bodyPr>
           <a:lstStyle/>
           <a:p>
-            <a:r>
-              <a:rPr lang="pl-PL" sz="2400" dirty="0"/>
-              <a:t>Złamanie losowego </a:t>
-            </a:r>
-            <a:r>
-              <a:rPr lang="pl-PL" sz="2400" b="1" dirty="0"/>
-              <a:t>8-znakowego</a:t>
-            </a:r>
-            <a:r>
-              <a:rPr lang="pl-PL" sz="2400" dirty="0"/>
-              <a:t> hasła </a:t>
-            </a:r>
-            <a:r>
-              <a:rPr lang="pl-PL" sz="2400" b="1" dirty="0">
+            <a:pPr>
+              <a:spcAft>
+                <a:spcPts val="1200"/>
+              </a:spcAft>
+            </a:pPr>
+            <a:r>
+              <a:rPr lang="pl-PL" sz="1600" dirty="0">
                 <a:solidFill>
-                  <a:schemeClr val="accent2"/>
+                  <a:srgbClr val="FFFFFF"/>
                 </a:solidFill>
               </a:rPr>
-              <a:t>z7S69s@9</a:t>
-            </a:r>
-            <a:r>
-              <a:rPr lang="pl-PL" sz="2400" dirty="0"/>
-              <a:t> zajęłoby typowemu programowi typu </a:t>
-            </a:r>
-            <a:r>
-              <a:rPr lang="pl-PL" sz="2400" dirty="0" err="1"/>
-              <a:t>brute</a:t>
-            </a:r>
-            <a:r>
-              <a:rPr lang="pl-PL" sz="2400" dirty="0"/>
-              <a:t> </a:t>
-            </a:r>
-            <a:r>
-              <a:rPr lang="pl-PL" sz="2400" dirty="0" err="1"/>
-              <a:t>force</a:t>
-            </a:r>
-            <a:r>
-              <a:rPr lang="pl-PL" sz="2400" dirty="0"/>
-              <a:t> </a:t>
+              <a:t>Grafika przedstawia czas potrzebny za złamanie </a:t>
+            </a:r>
+            <a:r>
+              <a:rPr lang="pl-PL" sz="1600" dirty="0" err="1">
+                <a:solidFill>
+                  <a:srgbClr val="FFFFFF"/>
+                </a:solidFill>
+              </a:rPr>
+              <a:t>hashu</a:t>
+            </a:r>
+            <a:r>
+              <a:rPr lang="pl-PL" sz="1600" dirty="0">
+                <a:solidFill>
+                  <a:srgbClr val="FFFFFF"/>
+                </a:solidFill>
+              </a:rPr>
+              <a:t> hasła przy użyciu metody typu </a:t>
+            </a:r>
+            <a:r>
+              <a:rPr lang="pl-PL" sz="1600" dirty="0" err="1">
+                <a:solidFill>
+                  <a:srgbClr val="FFFFFF"/>
+                </a:solidFill>
+              </a:rPr>
+              <a:t>brute-force</a:t>
+            </a:r>
+            <a:r>
+              <a:rPr lang="pl-PL" sz="1600" dirty="0">
+                <a:solidFill>
+                  <a:srgbClr val="FFFFFF"/>
+                </a:solidFill>
+              </a:rPr>
+              <a:t>.</a:t>
             </a:r>
           </a:p>
           <a:p>
-            <a:pPr marL="0" indent="0" algn="ctr">
-              <a:buNone/>
+            <a:pPr>
+              <a:spcAft>
+                <a:spcPts val="1200"/>
+              </a:spcAft>
             </a:pPr>
             <a:r>
-              <a:rPr lang="pl-PL" sz="2400" b="1" dirty="0">
+              <a:rPr lang="pl-PL" sz="1600" dirty="0">
                 <a:solidFill>
-                  <a:schemeClr val="accent4"/>
+                  <a:srgbClr val="FFFFFF"/>
                 </a:solidFill>
               </a:rPr>
-              <a:t>12 lat, 4 miesiące i 16 dni</a:t>
+              <a:t>Łamany był </a:t>
+            </a:r>
+            <a:r>
+              <a:rPr lang="pl-PL" sz="1600" dirty="0" err="1">
+                <a:solidFill>
+                  <a:srgbClr val="FFFFFF"/>
+                </a:solidFill>
+              </a:rPr>
+              <a:t>hash</a:t>
+            </a:r>
+            <a:r>
+              <a:rPr lang="pl-PL" sz="1600" dirty="0">
+                <a:solidFill>
+                  <a:srgbClr val="FFFFFF"/>
+                </a:solidFill>
+              </a:rPr>
+              <a:t> MD5</a:t>
             </a:r>
           </a:p>
           <a:p>
-            <a:r>
-              <a:rPr lang="pl-PL" sz="2400" dirty="0"/>
-              <a:t>Na złamanie tego samego hasła w </a:t>
-            </a:r>
-            <a:r>
-              <a:rPr lang="pl-PL" sz="2400" b="1" dirty="0"/>
-              <a:t>1990</a:t>
-            </a:r>
-            <a:r>
-              <a:rPr lang="pl-PL" sz="2400" dirty="0"/>
-              <a:t> roku potrzebowalibyśmy </a:t>
+            <a:pPr>
+              <a:spcAft>
+                <a:spcPts val="1200"/>
+              </a:spcAft>
+            </a:pPr>
+            <a:r>
+              <a:rPr lang="pl-PL" sz="1600" dirty="0">
+                <a:solidFill>
+                  <a:srgbClr val="FFFFFF"/>
+                </a:solidFill>
+              </a:rPr>
+              <a:t>Testy zostały przeprowadzone z wykorzystaniem chmury obliczeniowej Amazon AWS</a:t>
             </a:r>
           </a:p>
           <a:p>
-            <a:pPr marL="0" indent="0" algn="ctr">
-              <a:buNone/>
+            <a:pPr>
+              <a:spcAft>
+                <a:spcPts val="1200"/>
+              </a:spcAft>
             </a:pPr>
             <a:r>
-              <a:rPr lang="pl-PL" sz="2400" b="1" dirty="0">
+              <a:rPr lang="pl-PL" sz="1600" dirty="0">
                 <a:solidFill>
-                  <a:schemeClr val="accent4"/>
+                  <a:srgbClr val="FFFFFF"/>
                 </a:solidFill>
               </a:rPr>
-              <a:t>6495 lat</a:t>
+              <a:t>Do obliczeń wykorzystano 8 procesorów graficznych A100</a:t>
             </a:r>
           </a:p>
           <a:p>
-            <a:r>
-              <a:rPr lang="pl-PL" sz="2400" dirty="0"/>
-              <a:t>Przewiduje się, że w </a:t>
-            </a:r>
-            <a:r>
-              <a:rPr lang="pl-PL" sz="2400" b="1" dirty="0"/>
-              <a:t>2020</a:t>
-            </a:r>
-            <a:r>
-              <a:rPr lang="pl-PL" sz="2400" dirty="0"/>
-              <a:t> roku zajmie to ok. </a:t>
-            </a:r>
-            <a:r>
-              <a:rPr lang="pl-PL" sz="2400" b="1" dirty="0">
+            <a:pPr>
+              <a:spcAft>
+                <a:spcPts val="1200"/>
+              </a:spcAft>
+            </a:pPr>
+            <a:r>
+              <a:rPr lang="pl-PL" sz="1600" dirty="0">
                 <a:solidFill>
-                  <a:schemeClr val="accent4"/>
+                  <a:srgbClr val="FFFFFF"/>
                 </a:solidFill>
               </a:rPr>
-              <a:t>9 lat, 6 miesięcy i 18 dni</a:t>
-            </a:r>
-          </a:p>
-          <a:p>
-            <a:r>
-              <a:rPr lang="pl-PL" sz="2400" dirty="0"/>
-              <a:t>Eksperci twierdzą, że </a:t>
-            </a:r>
-            <a:r>
-              <a:rPr lang="pl-PL" sz="2400" b="1" dirty="0"/>
-              <a:t>komputery kwantowe </a:t>
-            </a:r>
-            <a:r>
-              <a:rPr lang="pl-PL" sz="2400" dirty="0"/>
-              <a:t>będą mogły tego dokonać w </a:t>
-            </a:r>
-            <a:r>
-              <a:rPr lang="pl-PL" sz="2400" b="1" dirty="0">
+              <a:t>Sprawdzanych było ponad 523 miliardów </a:t>
+            </a:r>
+            <a:r>
+              <a:rPr lang="pl-PL" sz="1600" dirty="0" err="1">
                 <a:solidFill>
-                  <a:schemeClr val="accent4"/>
+                  <a:srgbClr val="FFFFFF"/>
                 </a:solidFill>
               </a:rPr>
-              <a:t>mniej niż 5 sekund</a:t>
-            </a:r>
-          </a:p>
-          <a:p>
-            <a:endParaRPr lang="pl-PL" dirty="0"/>
+              <a:t>hashy</a:t>
+            </a:r>
+            <a:r>
+              <a:rPr lang="pl-PL" sz="1600" dirty="0">
+                <a:solidFill>
+                  <a:srgbClr val="FFFFFF"/>
+                </a:solidFill>
+              </a:rPr>
+              <a:t> na sekundę </a:t>
+            </a:r>
           </a:p>
         </p:txBody>
       </p:sp>
     </p:spTree>
     <p:extLst>
       <p:ext uri="{BB962C8B-B14F-4D97-AF65-F5344CB8AC3E}">
-        <p14:creationId xmlns:p14="http://schemas.microsoft.com/office/powerpoint/2010/main" val="4077752780"/>
+        <p14:creationId xmlns:p14="http://schemas.microsoft.com/office/powerpoint/2010/main" val="112811004"/>
       </p:ext>
     </p:extLst>
   </p:cSld>
   <p:clrMapOvr>
     <a:masterClrMapping/>
   </p:clrMapOvr>
-  <p:timing>
-    <p:tnLst>
-      <p:par>
-        <p:cTn id="1" dur="indefinite" restart="never" nodeType="tmRoot">
-          <p:childTnLst>
-            <p:seq concurrent="1" nextAc="seek">
-              <p:cTn id="2" dur="indefinite" nodeType="mainSeq">
-                <p:childTnLst>
-                  <p:par>
-                    <p:cTn id="3" fill="hold">
-                      <p:stCondLst>
-                        <p:cond delay="indefinite"/>
-                      </p:stCondLst>
-                      <p:childTnLst>
-                        <p:par>
-                          <p:cTn id="4" fill="hold">
-                            <p:stCondLst>
-                              <p:cond delay="0"/>
-                            </p:stCondLst>
-                            <p:childTnLst>
-                              <p:par>
-                                <p:cTn id="5" presetID="1" presetClass="entr" presetSubtype="0" fill="hold" grpId="0" nodeType="clickEffect">
-                                  <p:stCondLst>
-                                    <p:cond delay="0"/>
-                                  </p:stCondLst>
-                                  <p:childTnLst>
-                                    <p:set>
-                                      <p:cBhvr>
-                                        <p:cTn id="6" dur="1" fill="hold">
-                                          <p:stCondLst>
-                                            <p:cond delay="0"/>
-                                          </p:stCondLst>
-                                        </p:cTn>
-                                        <p:tgtEl>
-                                          <p:spTgt spid="3">
-                                            <p:txEl>
-                                              <p:pRg st="0" end="0"/>
-                                            </p:txEl>
-                                          </p:spTgt>
-                                        </p:tgtEl>
-                                        <p:attrNameLst>
-                                          <p:attrName>style.visibility</p:attrName>
-                                        </p:attrNameLst>
-                                      </p:cBhvr>
-                                      <p:to>
-                                        <p:strVal val="visible"/>
-                                      </p:to>
-                                    </p:set>
-                                  </p:childTnLst>
-                                </p:cTn>
-                              </p:par>
-                            </p:childTnLst>
-                          </p:cTn>
-                        </p:par>
-                      </p:childTnLst>
-                    </p:cTn>
-                  </p:par>
-                  <p:par>
-                    <p:cTn id="7" fill="hold">
-                      <p:stCondLst>
-                        <p:cond delay="indefinite"/>
-                      </p:stCondLst>
-                      <p:childTnLst>
-                        <p:par>
-                          <p:cTn id="8" fill="hold">
-                            <p:stCondLst>
-                              <p:cond delay="0"/>
-                            </p:stCondLst>
-                            <p:childTnLst>
-                              <p:par>
-                                <p:cTn id="9" presetID="1" presetClass="entr" presetSubtype="0" fill="hold" grpId="0" nodeType="clickEffect">
-                                  <p:stCondLst>
-                                    <p:cond delay="0"/>
-                                  </p:stCondLst>
-                                  <p:childTnLst>
-                                    <p:set>
-                                      <p:cBhvr>
-                                        <p:cTn id="10" dur="1" fill="hold">
-                                          <p:stCondLst>
-                                            <p:cond delay="0"/>
-                                          </p:stCondLst>
-                                        </p:cTn>
-                                        <p:tgtEl>
-                                          <p:spTgt spid="3">
-                                            <p:txEl>
-                                              <p:pRg st="1" end="1"/>
-                                            </p:txEl>
-                                          </p:spTgt>
-                                        </p:tgtEl>
-                                        <p:attrNameLst>
-                                          <p:attrName>style.visibility</p:attrName>
-                                        </p:attrNameLst>
-                                      </p:cBhvr>
-                                      <p:to>
-                                        <p:strVal val="visible"/>
-                                      </p:to>
-                                    </p:set>
-                                  </p:childTnLst>
-                                </p:cTn>
-                              </p:par>
-                            </p:childTnLst>
-                          </p:cTn>
-                        </p:par>
-                      </p:childTnLst>
-                    </p:cTn>
-                  </p:par>
-                  <p:par>
-                    <p:cTn id="11" fill="hold">
-                      <p:stCondLst>
-                        <p:cond delay="indefinite"/>
-                      </p:stCondLst>
-                      <p:childTnLst>
-                        <p:par>
-                          <p:cTn id="12" fill="hold">
-                            <p:stCondLst>
-                              <p:cond delay="0"/>
-                            </p:stCondLst>
-                            <p:childTnLst>
-                              <p:par>
-                                <p:cTn id="13" presetID="1" presetClass="entr" presetSubtype="0" fill="hold" grpId="0" nodeType="clickEffect">
-                                  <p:stCondLst>
-                                    <p:cond delay="0"/>
-                                  </p:stCondLst>
-                                  <p:childTnLst>
-                                    <p:set>
-                                      <p:cBhvr>
-                                        <p:cTn id="14" dur="1" fill="hold">
-                                          <p:stCondLst>
-                                            <p:cond delay="0"/>
-                                          </p:stCondLst>
-                                        </p:cTn>
-                                        <p:tgtEl>
-                                          <p:spTgt spid="3">
-                                            <p:txEl>
-                                              <p:pRg st="2" end="2"/>
-                                            </p:txEl>
-                                          </p:spTgt>
-                                        </p:tgtEl>
-                                        <p:attrNameLst>
-                                          <p:attrName>style.visibility</p:attrName>
-                                        </p:attrNameLst>
-                                      </p:cBhvr>
-                                      <p:to>
-                                        <p:strVal val="visible"/>
-                                      </p:to>
-                                    </p:set>
-                                  </p:childTnLst>
-                                </p:cTn>
-                              </p:par>
-                            </p:childTnLst>
-                          </p:cTn>
-                        </p:par>
-                      </p:childTnLst>
-                    </p:cTn>
-                  </p:par>
-                  <p:par>
-                    <p:cTn id="15" fill="hold">
-                      <p:stCondLst>
-                        <p:cond delay="indefinite"/>
-                      </p:stCondLst>
-                      <p:childTnLst>
-                        <p:par>
-                          <p:cTn id="16" fill="hold">
-                            <p:stCondLst>
-                              <p:cond delay="0"/>
-                            </p:stCondLst>
-                            <p:childTnLst>
-                              <p:par>
-                                <p:cTn id="17" presetID="1" presetClass="entr" presetSubtype="0" fill="hold" grpId="0" nodeType="clickEffect">
-                                  <p:stCondLst>
-                                    <p:cond delay="0"/>
-                                  </p:stCondLst>
-                                  <p:childTnLst>
-                                    <p:set>
-                                      <p:cBhvr>
-                                        <p:cTn id="18" dur="1" fill="hold">
-                                          <p:stCondLst>
-                                            <p:cond delay="0"/>
-                                          </p:stCondLst>
-                                        </p:cTn>
-                                        <p:tgtEl>
-                                          <p:spTgt spid="3">
-                                            <p:txEl>
-                                              <p:pRg st="3" end="3"/>
-                                            </p:txEl>
-                                          </p:spTgt>
-                                        </p:tgtEl>
-                                        <p:attrNameLst>
-                                          <p:attrName>style.visibility</p:attrName>
-                                        </p:attrNameLst>
-                                      </p:cBhvr>
-                                      <p:to>
-                                        <p:strVal val="visible"/>
-                                      </p:to>
-                                    </p:set>
-                                  </p:childTnLst>
-                                </p:cTn>
-                              </p:par>
-                            </p:childTnLst>
-                          </p:cTn>
-                        </p:par>
-                      </p:childTnLst>
-                    </p:cTn>
-                  </p:par>
-                  <p:par>
-                    <p:cTn id="19" fill="hold">
-                      <p:stCondLst>
-                        <p:cond delay="indefinite"/>
-                      </p:stCondLst>
-                      <p:childTnLst>
-                        <p:par>
-                          <p:cTn id="20" fill="hold">
-                            <p:stCondLst>
-                              <p:cond delay="0"/>
-                            </p:stCondLst>
-                            <p:childTnLst>
-                              <p:par>
-                                <p:cTn id="21" presetID="1" presetClass="entr" presetSubtype="0" fill="hold" grpId="0" nodeType="clickEffect">
-                                  <p:stCondLst>
-                                    <p:cond delay="0"/>
-                                  </p:stCondLst>
-                                  <p:childTnLst>
-                                    <p:set>
-                                      <p:cBhvr>
-                                        <p:cTn id="22" dur="1" fill="hold">
-                                          <p:stCondLst>
-                                            <p:cond delay="0"/>
-                                          </p:stCondLst>
-                                        </p:cTn>
-                                        <p:tgtEl>
-                                          <p:spTgt spid="3">
-                                            <p:txEl>
-                                              <p:pRg st="4" end="4"/>
-                                            </p:txEl>
-                                          </p:spTgt>
-                                        </p:tgtEl>
-                                        <p:attrNameLst>
-                                          <p:attrName>style.visibility</p:attrName>
-                                        </p:attrNameLst>
-                                      </p:cBhvr>
-                                      <p:to>
-                                        <p:strVal val="visible"/>
-                                      </p:to>
-                                    </p:set>
-                                  </p:childTnLst>
-                                </p:cTn>
-                              </p:par>
-                            </p:childTnLst>
-                          </p:cTn>
-                        </p:par>
-                      </p:childTnLst>
-                    </p:cTn>
-                  </p:par>
-                  <p:par>
-                    <p:cTn id="23" fill="hold">
-                      <p:stCondLst>
-                        <p:cond delay="indefinite"/>
-                      </p:stCondLst>
-                      <p:childTnLst>
-                        <p:par>
-                          <p:cTn id="24" fill="hold">
-                            <p:stCondLst>
-                              <p:cond delay="0"/>
-                            </p:stCondLst>
-                            <p:childTnLst>
-                              <p:par>
-                                <p:cTn id="25" presetID="1" presetClass="entr" presetSubtype="0" fill="hold" grpId="0" nodeType="clickEffect">
-                                  <p:stCondLst>
-                                    <p:cond delay="0"/>
-                                  </p:stCondLst>
-                                  <p:childTnLst>
-                                    <p:set>
-                                      <p:cBhvr>
-                                        <p:cTn id="26" dur="1" fill="hold">
-                                          <p:stCondLst>
-                                            <p:cond delay="0"/>
-                                          </p:stCondLst>
-                                        </p:cTn>
-                                        <p:tgtEl>
-                                          <p:spTgt spid="3">
-                                            <p:txEl>
-                                              <p:pRg st="5" end="5"/>
-                                            </p:txEl>
-                                          </p:spTgt>
-                                        </p:tgtEl>
-                                        <p:attrNameLst>
-                                          <p:attrName>style.visibility</p:attrName>
-                                        </p:attrNameLst>
-                                      </p:cBhvr>
-                                      <p:to>
-                                        <p:strVal val="visible"/>
-                                      </p:to>
-                                    </p:set>
-                                  </p:childTnLst>
-                                </p:cTn>
-                              </p:par>
-                            </p:childTnLst>
-                          </p:cTn>
-                        </p:par>
-                      </p:childTnLst>
-                    </p:cTn>
-                  </p:par>
-                </p:childTnLst>
-              </p:cTn>
-              <p:prevCondLst>
-                <p:cond evt="onPrev" delay="0">
-                  <p:tgtEl>
-                    <p:sldTgt/>
-                  </p:tgtEl>
-                </p:cond>
-              </p:prevCondLst>
-              <p:nextCondLst>
-                <p:cond evt="onNext" delay="0">
-                  <p:tgtEl>
-                    <p:sldTgt/>
-                  </p:tgtEl>
-                </p:cond>
-              </p:nextCondLst>
-            </p:seq>
-          </p:childTnLst>
-        </p:cTn>
-      </p:par>
-    </p:tnLst>
-    <p:bldLst>
-      <p:bldP spid="3" grpId="0" uiExpand="1" build="p"/>
-    </p:bldLst>
-  </p:timing>
 </p:sld>
 </file>
 
@@ -9150,7 +9544,7 @@
         </p:nvSpPr>
         <p:spPr/>
         <p:txBody>
-          <a:bodyPr/>
+          <a:bodyPr anchor="ctr"/>
           <a:lstStyle/>
           <a:p>
             <a:r>
@@ -9183,11 +9577,16 @@
           </a:xfrm>
         </p:spPr>
         <p:txBody>
-          <a:bodyPr>
-            <a:normAutofit fontScale="92500"/>
+          <a:bodyPr anchor="ctr">
+            <a:normAutofit fontScale="92500" lnSpcReduction="10000"/>
           </a:bodyPr>
           <a:lstStyle/>
           <a:p>
+            <a:pPr>
+              <a:spcAft>
+                <a:spcPts val="600"/>
+              </a:spcAft>
+            </a:pPr>
             <a:r>
               <a:rPr lang="pl-PL" sz="2400" dirty="0"/>
               <a:t>Hasło o długości 8 znaków, składające się tylko z małych </a:t>
@@ -9234,6 +9633,11 @@
             </a:r>
           </a:p>
           <a:p>
+            <a:pPr>
+              <a:spcAft>
+                <a:spcPts val="600"/>
+              </a:spcAft>
+            </a:pPr>
             <a:r>
               <a:rPr lang="pl-PL" sz="2400" dirty="0"/>
               <a:t>Hasło o tej samej długości, składające się z kombinacji małych </a:t>
@@ -9280,6 +9684,11 @@
             </a:r>
           </a:p>
           <a:p>
+            <a:pPr>
+              <a:spcAft>
+                <a:spcPts val="600"/>
+              </a:spcAft>
+            </a:pPr>
             <a:r>
               <a:rPr lang="pl-PL" sz="2400" dirty="0"/>
               <a:t>Gdy dodamy do tego cyfry otrzymamy  </a:t>
@@ -9298,17 +9707,14 @@
             </a:r>
           </a:p>
           <a:p>
+            <a:pPr>
+              <a:spcAft>
+                <a:spcPts val="600"/>
+              </a:spcAft>
+            </a:pPr>
             <a:r>
               <a:rPr lang="pl-PL" sz="2400" dirty="0"/>
-              <a:t>Dodajmy jeszcze znaki </a:t>
-            </a:r>
-            <a:r>
-              <a:rPr lang="pl-PL" sz="2400"/>
-              <a:t>specjalne (!@#$%^&amp;*,.?),  </a:t>
-            </a:r>
-            <a:r>
-              <a:rPr lang="pl-PL" sz="2400" dirty="0"/>
-              <a:t>a otrzymamy </a:t>
+              <a:t>Dodajmy jeszcze znaki specjalne (!@#$%^&amp;*,.?),  a otrzymamy </a:t>
             </a:r>
             <a:r>
               <a:rPr lang="pl-PL" sz="2400" b="1" dirty="0">
@@ -9324,9 +9730,14 @@
             </a:r>
           </a:p>
           <a:p>
+            <a:pPr>
+              <a:spcAft>
+                <a:spcPts val="600"/>
+              </a:spcAft>
+            </a:pPr>
             <a:r>
               <a:rPr lang="pl-PL" sz="2400" dirty="0"/>
-              <a:t>Złamanie takiego hasła zajęłoby najszybszej maszynie 2304 sekund, czyli </a:t>
+              <a:t>Złamanie takiego hasła (przy sprawdzaniu 350 bilionów haseł na sekundę) zajęłoby 2304 sekund, czyli </a:t>
             </a:r>
             <a:r>
               <a:rPr lang="pl-PL" sz="2400" b="1" dirty="0">
@@ -9338,6 +9749,11 @@
             </a:r>
           </a:p>
           <a:p>
+            <a:pPr>
+              <a:spcAft>
+                <a:spcPts val="600"/>
+              </a:spcAft>
+            </a:pPr>
             <a:r>
               <a:rPr lang="pl-PL" sz="2400" dirty="0"/>
               <a:t>Zwiększmy jednak długość do </a:t>
@@ -9740,7 +10156,7 @@
         </p:nvSpPr>
         <p:spPr/>
         <p:txBody>
-          <a:bodyPr/>
+          <a:bodyPr anchor="ctr"/>
           <a:lstStyle/>
           <a:p>
             <a:r>
@@ -9773,17 +10189,27 @@
           </a:xfrm>
         </p:spPr>
         <p:txBody>
-          <a:bodyPr>
+          <a:bodyPr anchor="ctr">
             <a:normAutofit/>
           </a:bodyPr>
           <a:lstStyle/>
           <a:p>
+            <a:pPr>
+              <a:spcAft>
+                <a:spcPts val="600"/>
+              </a:spcAft>
+            </a:pPr>
             <a:r>
               <a:rPr lang="pl-PL" sz="2400" dirty="0"/>
               <a:t>Eksperci uważają, że świetną techniką jest używanie pierwszych liter każdego wyrazu w zdaniu</a:t>
             </a:r>
           </a:p>
           <a:p>
+            <a:pPr>
+              <a:spcAft>
+                <a:spcPts val="600"/>
+              </a:spcAft>
+            </a:pPr>
             <a:r>
               <a:rPr lang="pl-PL" sz="2400" dirty="0"/>
               <a:t>Np. </a:t>
@@ -9795,9 +10221,25 @@
             <a:endParaRPr lang="pl-PL" sz="2400" dirty="0"/>
           </a:p>
           <a:p>
+            <a:pPr>
+              <a:spcAft>
+                <a:spcPts val="600"/>
+              </a:spcAft>
+            </a:pPr>
             <a:r>
               <a:rPr lang="pl-PL" sz="2400" dirty="0"/>
               <a:t>Dodanie pojedynczego losowego symbolu (!*$@) znacząco zwiększa bezpieczeństwo</a:t>
+            </a:r>
+          </a:p>
+          <a:p>
+            <a:pPr>
+              <a:spcAft>
+                <a:spcPts val="600"/>
+              </a:spcAft>
+            </a:pPr>
+            <a:r>
+              <a:rPr lang="pl-PL" sz="2400" dirty="0"/>
+              <a:t>Należy także wykorzystać wielkie litery</a:t>
             </a:r>
           </a:p>
         </p:txBody>
@@ -9967,6 +10409,55 @@
                       </p:childTnLst>
                     </p:cTn>
                   </p:par>
+                  <p:par>
+                    <p:cTn id="15" fill="hold">
+                      <p:stCondLst>
+                        <p:cond delay="indefinite"/>
+                      </p:stCondLst>
+                      <p:childTnLst>
+                        <p:par>
+                          <p:cTn id="16" fill="hold">
+                            <p:stCondLst>
+                              <p:cond delay="0"/>
+                            </p:stCondLst>
+                            <p:childTnLst>
+                              <p:par>
+                                <p:cTn id="17" presetID="1" presetClass="entr" presetSubtype="0" fill="hold" grpId="0" nodeType="clickEffect">
+                                  <p:stCondLst>
+                                    <p:cond delay="0"/>
+                                  </p:stCondLst>
+                                  <p:childTnLst>
+                                    <p:set>
+                                      <p:cBhvr>
+                                        <p:cTn id="18" dur="1" fill="hold">
+                                          <p:stCondLst>
+                                            <p:cond delay="0"/>
+                                          </p:stCondLst>
+                                        </p:cTn>
+                                        <p:tgtEl>
+                                          <p:spTgt spid="3">
+                                            <p:txEl>
+                                              <p:pRg st="3" end="3"/>
+                                            </p:txEl>
+                                          </p:spTgt>
+                                        </p:tgtEl>
+                                        <p:attrNameLst>
+                                          <p:attrName>style.visibility</p:attrName>
+                                        </p:attrNameLst>
+                                      </p:cBhvr>
+                                      <p:to>
+                                        <p:strVal val="visible"/>
+                                      </p:to>
+                                    </p:set>
+                                  </p:childTnLst>
+                                </p:cTn>
+                              </p:par>
+                            </p:childTnLst>
+                          </p:cTn>
+                        </p:par>
+                      </p:childTnLst>
+                    </p:cTn>
+                  </p:par>
                 </p:childTnLst>
               </p:cTn>
               <p:prevCondLst>
@@ -9992,6 +10483,148 @@
       <p:bldP spid="3" grpId="0" build="p"/>
     </p:bldLst>
   </p:timing>
+</p:sld>
+</file>
+
+<file path=ppt/slides/slide9.xml><?xml version="1.0" encoding="utf-8"?>
+<p:sld xmlns:a="http://schemas.openxmlformats.org/drawingml/2006/main" xmlns:r="http://schemas.openxmlformats.org/officeDocument/2006/relationships" xmlns:p="http://schemas.openxmlformats.org/presentationml/2006/main">
+  <p:cSld>
+    <p:spTree>
+      <p:nvGrpSpPr>
+        <p:cNvPr id="1" name=""/>
+        <p:cNvGrpSpPr/>
+        <p:nvPr/>
+      </p:nvGrpSpPr>
+      <p:grpSpPr>
+        <a:xfrm>
+          <a:off x="0" y="0"/>
+          <a:ext cx="0" cy="0"/>
+          <a:chOff x="0" y="0"/>
+          <a:chExt cx="0" cy="0"/>
+        </a:xfrm>
+      </p:grpSpPr>
+      <p:sp>
+        <p:nvSpPr>
+          <p:cNvPr id="2" name="Tytuł 1">
+            <a:extLst>
+              <a:ext uri="{FF2B5EF4-FFF2-40B4-BE49-F238E27FC236}">
+                <a16:creationId xmlns:a16="http://schemas.microsoft.com/office/drawing/2014/main" id="{65134B1B-F0E1-D6A1-7F50-33AC2C7ADE39}"/>
+              </a:ext>
+            </a:extLst>
+          </p:cNvPr>
+          <p:cNvSpPr>
+            <a:spLocks noGrp="1"/>
+          </p:cNvSpPr>
+          <p:nvPr>
+            <p:ph type="title"/>
+          </p:nvPr>
+        </p:nvSpPr>
+        <p:spPr/>
+        <p:txBody>
+          <a:bodyPr anchor="ctr"/>
+          <a:lstStyle/>
+          <a:p>
+            <a:r>
+              <a:rPr lang="pl-PL" dirty="0" err="1"/>
+              <a:t>Źrodła</a:t>
+            </a:r>
+            <a:endParaRPr lang="en-US" dirty="0"/>
+          </a:p>
+        </p:txBody>
+      </p:sp>
+      <p:sp>
+        <p:nvSpPr>
+          <p:cNvPr id="3" name="Symbol zastępczy zawartości 2">
+            <a:extLst>
+              <a:ext uri="{FF2B5EF4-FFF2-40B4-BE49-F238E27FC236}">
+                <a16:creationId xmlns:a16="http://schemas.microsoft.com/office/drawing/2014/main" id="{70096AD1-9CFA-4096-93D9-2732944F760E}"/>
+              </a:ext>
+            </a:extLst>
+          </p:cNvPr>
+          <p:cNvSpPr>
+            <a:spLocks noGrp="1"/>
+          </p:cNvSpPr>
+          <p:nvPr>
+            <p:ph idx="1"/>
+          </p:nvPr>
+        </p:nvSpPr>
+        <p:spPr>
+          <a:xfrm>
+            <a:off x="1242053" y="2286001"/>
+            <a:ext cx="10178322" cy="3593591"/>
+          </a:xfrm>
+        </p:spPr>
+        <p:txBody>
+          <a:bodyPr anchor="ctr"/>
+          <a:lstStyle/>
+          <a:p>
+            <a:pPr>
+              <a:spcAft>
+                <a:spcPts val="1200"/>
+              </a:spcAft>
+            </a:pPr>
+            <a:r>
+              <a:rPr lang="en-US" dirty="0">
+                <a:hlinkClick r:id="rId2"/>
+              </a:rPr>
+              <a:t>Are Your Passwords in the Green? (hivesystems.io)</a:t>
+            </a:r>
+            <a:endParaRPr lang="pl-PL" dirty="0"/>
+          </a:p>
+          <a:p>
+            <a:pPr>
+              <a:spcAft>
+                <a:spcPts val="1200"/>
+              </a:spcAft>
+            </a:pPr>
+            <a:r>
+              <a:rPr lang="en-US" dirty="0">
+                <a:hlinkClick r:id="rId3"/>
+              </a:rPr>
+              <a:t>Password security + 10 password safety tips | Norton</a:t>
+            </a:r>
+            <a:endParaRPr lang="pl-PL" dirty="0"/>
+          </a:p>
+          <a:p>
+            <a:pPr>
+              <a:spcAft>
+                <a:spcPts val="1200"/>
+              </a:spcAft>
+            </a:pPr>
+            <a:r>
+              <a:rPr lang="en-US" dirty="0">
+                <a:hlinkClick r:id="rId4"/>
+              </a:rPr>
+              <a:t>New 25 GPU Monster Devours Passwords In Seconds (securityledger.com)</a:t>
+            </a:r>
+            <a:endParaRPr lang="pl-PL" dirty="0"/>
+          </a:p>
+          <a:p>
+            <a:pPr>
+              <a:spcAft>
+                <a:spcPts val="1200"/>
+              </a:spcAft>
+            </a:pPr>
+            <a:r>
+              <a:rPr lang="en-US" dirty="0">
+                <a:hlinkClick r:id="rId5"/>
+              </a:rPr>
+              <a:t>20 Interesting Facts About Passwords (keepersecurity.com)</a:t>
+            </a:r>
+            <a:endParaRPr lang="en-US" dirty="0"/>
+          </a:p>
+        </p:txBody>
+      </p:sp>
+    </p:spTree>
+    <p:extLst>
+      <p:ext uri="{BB962C8B-B14F-4D97-AF65-F5344CB8AC3E}">
+        <p14:creationId xmlns:p14="http://schemas.microsoft.com/office/powerpoint/2010/main" val="408661911"/>
+      </p:ext>
+    </p:extLst>
+  </p:cSld>
+  <p:clrMapOvr>
+    <a:masterClrMapping/>
+  </p:clrMapOvr>
 </p:sld>
 </file>
 

--- a/Bezpieczeństwo/Hasła.pptx
+++ b/Bezpieczeństwo/Hasła.pptx
@@ -1331,7 +1331,7 @@
           <a:p>
             <a:fld id="{C6836522-8226-5C45-B12B-C5E5F8B0FBC0}" type="datetimeFigureOut">
               <a:rPr lang="pl-PL" smtClean="0"/>
-              <a:t>25.10.2022</a:t>
+              <a:t>01.11.2023</a:t>
             </a:fld>
             <a:endParaRPr lang="pl-PL"/>
           </a:p>
@@ -1545,7 +1545,7 @@
           <a:p>
             <a:fld id="{C6836522-8226-5C45-B12B-C5E5F8B0FBC0}" type="datetimeFigureOut">
               <a:rPr lang="pl-PL" smtClean="0"/>
-              <a:t>25.10.2022</a:t>
+              <a:t>01.11.2023</a:t>
             </a:fld>
             <a:endParaRPr lang="pl-PL"/>
           </a:p>
@@ -1701,7 +1701,7 @@
           <a:p>
             <a:fld id="{C6836522-8226-5C45-B12B-C5E5F8B0FBC0}" type="datetimeFigureOut">
               <a:rPr lang="pl-PL" smtClean="0"/>
-              <a:t>25.10.2022</a:t>
+              <a:t>01.11.2023</a:t>
             </a:fld>
             <a:endParaRPr lang="pl-PL"/>
           </a:p>
@@ -1847,7 +1847,7 @@
           <a:p>
             <a:fld id="{C6836522-8226-5C45-B12B-C5E5F8B0FBC0}" type="datetimeFigureOut">
               <a:rPr lang="pl-PL" smtClean="0"/>
-              <a:t>25.10.2022</a:t>
+              <a:t>01.11.2023</a:t>
             </a:fld>
             <a:endParaRPr lang="pl-PL"/>
           </a:p>
@@ -2125,7 +2125,7 @@
           <a:p>
             <a:fld id="{C6836522-8226-5C45-B12B-C5E5F8B0FBC0}" type="datetimeFigureOut">
               <a:rPr lang="pl-PL" smtClean="0"/>
-              <a:t>25.10.2022</a:t>
+              <a:t>01.11.2023</a:t>
             </a:fld>
             <a:endParaRPr lang="pl-PL"/>
           </a:p>
@@ -3278,7 +3278,7 @@
           <a:p>
             <a:fld id="{C6836522-8226-5C45-B12B-C5E5F8B0FBC0}" type="datetimeFigureOut">
               <a:rPr lang="pl-PL" smtClean="0"/>
-              <a:t>25.10.2022</a:t>
+              <a:t>01.11.2023</a:t>
             </a:fld>
             <a:endParaRPr lang="pl-PL"/>
           </a:p>
@@ -3630,7 +3630,7 @@
           <a:p>
             <a:fld id="{C6836522-8226-5C45-B12B-C5E5F8B0FBC0}" type="datetimeFigureOut">
               <a:rPr lang="pl-PL" smtClean="0"/>
-              <a:t>25.10.2022</a:t>
+              <a:t>01.11.2023</a:t>
             </a:fld>
             <a:endParaRPr lang="pl-PL"/>
           </a:p>
@@ -3753,7 +3753,7 @@
           <a:p>
             <a:fld id="{C6836522-8226-5C45-B12B-C5E5F8B0FBC0}" type="datetimeFigureOut">
               <a:rPr lang="pl-PL" smtClean="0"/>
-              <a:t>25.10.2022</a:t>
+              <a:t>01.11.2023</a:t>
             </a:fld>
             <a:endParaRPr lang="pl-PL"/>
           </a:p>
@@ -3848,7 +3848,7 @@
           <a:p>
             <a:fld id="{C6836522-8226-5C45-B12B-C5E5F8B0FBC0}" type="datetimeFigureOut">
               <a:rPr lang="pl-PL" smtClean="0"/>
-              <a:t>25.10.2022</a:t>
+              <a:t>01.11.2023</a:t>
             </a:fld>
             <a:endParaRPr lang="pl-PL"/>
           </a:p>
@@ -4592,7 +4592,7 @@
           <a:p>
             <a:fld id="{C6836522-8226-5C45-B12B-C5E5F8B0FBC0}" type="datetimeFigureOut">
               <a:rPr lang="pl-PL" smtClean="0"/>
-              <a:t>25.10.2022</a:t>
+              <a:t>01.11.2023</a:t>
             </a:fld>
             <a:endParaRPr lang="pl-PL"/>
           </a:p>
@@ -5437,7 +5437,7 @@
           <a:p>
             <a:fld id="{C6836522-8226-5C45-B12B-C5E5F8B0FBC0}" type="datetimeFigureOut">
               <a:rPr lang="pl-PL" smtClean="0"/>
-              <a:t>25.10.2022</a:t>
+              <a:t>01.11.2023</a:t>
             </a:fld>
             <a:endParaRPr lang="pl-PL"/>
           </a:p>
@@ -5640,7 +5640,7 @@
           <a:p>
             <a:fld id="{C6836522-8226-5C45-B12B-C5E5F8B0FBC0}" type="datetimeFigureOut">
               <a:rPr lang="pl-PL" smtClean="0"/>
-              <a:t>25.10.2022</a:t>
+              <a:t>01.11.2023</a:t>
             </a:fld>
             <a:endParaRPr lang="pl-PL"/>
           </a:p>
@@ -6625,6 +6625,14 @@
 <file path=ppt/slides/slide1.xml><?xml version="1.0" encoding="utf-8"?>
 <p:sld xmlns:a="http://schemas.openxmlformats.org/drawingml/2006/main" xmlns:r="http://schemas.openxmlformats.org/officeDocument/2006/relationships" xmlns:p="http://schemas.openxmlformats.org/presentationml/2006/main">
   <p:cSld>
+    <p:bg>
+      <p:bgPr>
+        <a:solidFill>
+          <a:schemeClr val="accent1"/>
+        </a:solidFill>
+        <a:effectLst/>
+      </p:bgPr>
+    </p:bg>
     <p:spTree>
       <p:nvGrpSpPr>
         <p:cNvPr id="1" name=""/>
@@ -6641,6 +6649,69 @@
       </p:grpSpPr>
       <p:sp>
         <p:nvSpPr>
+          <p:cNvPr id="9" name="Rectangle 8">
+            <a:extLst>
+              <a:ext uri="{FF2B5EF4-FFF2-40B4-BE49-F238E27FC236}">
+                <a16:creationId xmlns:a16="http://schemas.microsoft.com/office/drawing/2014/main" id="{75359B37-EBFA-4AA5-9264-B0DA8BBD19AD}"/>
+              </a:ext>
+              <a:ext uri="{C183D7F6-B498-43B3-948B-1728B52AA6E4}">
+                <adec:decorative xmlns:adec="http://schemas.microsoft.com/office/drawing/2017/decorative" val="1"/>
+              </a:ext>
+            </a:extLst>
+          </p:cNvPr>
+          <p:cNvSpPr>
+            <a:spLocks noGrp="1" noRot="1" noChangeAspect="1" noMove="1" noResize="1" noEditPoints="1" noAdjustHandles="1" noChangeArrowheads="1" noChangeShapeType="1" noTextEdit="1"/>
+          </p:cNvSpPr>
+          <p:nvPr>
+            <p:extLst>
+              <p:ext uri="{386F3935-93C4-4BCD-93E2-E3B085C9AB24}">
+                <p16:designElem xmlns:p16="http://schemas.microsoft.com/office/powerpoint/2015/main" val="1"/>
+              </p:ext>
+            </p:extLst>
+          </p:nvPr>
+        </p:nvSpPr>
+        <p:spPr bwMode="ltGray">
+          <a:xfrm>
+            <a:off x="0" y="0"/>
+            <a:ext cx="12191999" cy="6858000"/>
+          </a:xfrm>
+          <a:prstGeom prst="rect">
+            <a:avLst/>
+          </a:prstGeom>
+          <a:solidFill>
+            <a:schemeClr val="accent1"/>
+          </a:solidFill>
+          <a:ln>
+            <a:noFill/>
+          </a:ln>
+        </p:spPr>
+        <p:style>
+          <a:lnRef idx="2">
+            <a:schemeClr val="accent1">
+              <a:shade val="50000"/>
+            </a:schemeClr>
+          </a:lnRef>
+          <a:fillRef idx="1">
+            <a:schemeClr val="accent1"/>
+          </a:fillRef>
+          <a:effectRef idx="0">
+            <a:schemeClr val="accent1"/>
+          </a:effectRef>
+          <a:fontRef idx="minor">
+            <a:schemeClr val="lt1"/>
+          </a:fontRef>
+        </p:style>
+        <p:txBody>
+          <a:bodyPr rtlCol="0" anchor="ctr"/>
+          <a:lstStyle/>
+          <a:p>
+            <a:pPr algn="ctr"/>
+            <a:endParaRPr lang="en-US"/>
+          </a:p>
+        </p:txBody>
+      </p:sp>
+      <p:sp>
+        <p:nvSpPr>
           <p:cNvPr id="2" name="Tytuł 1">
             <a:extLst>
               <a:ext uri="{FF2B5EF4-FFF2-40B4-BE49-F238E27FC236}">
@@ -6655,13 +6726,20 @@
             <p:ph type="ctrTitle"/>
           </p:nvPr>
         </p:nvSpPr>
-        <p:spPr/>
+        <p:spPr>
+          <a:xfrm>
+            <a:off x="1375423" y="3176833"/>
+            <a:ext cx="10318418" cy="1179755"/>
+          </a:xfrm>
+        </p:spPr>
         <p:txBody>
-          <a:bodyPr/>
+          <a:bodyPr>
+            <a:normAutofit fontScale="90000"/>
+          </a:bodyPr>
           <a:lstStyle/>
           <a:p>
             <a:r>
-              <a:rPr lang="pl-PL" dirty="0"/>
+              <a:rPr lang="pl-PL" sz="8800" dirty="0"/>
               <a:t>Hasła</a:t>
             </a:r>
           </a:p>
@@ -6683,14 +6761,702 @@
             <p:ph type="subTitle" idx="1"/>
           </p:nvPr>
         </p:nvSpPr>
-        <p:spPr/>
+        <p:spPr>
+          <a:xfrm>
+            <a:off x="2516225" y="4295068"/>
+            <a:ext cx="8045373" cy="656492"/>
+          </a:xfrm>
+        </p:spPr>
+        <p:txBody>
+          <a:bodyPr>
+            <a:normAutofit/>
+          </a:bodyPr>
+          <a:lstStyle/>
+          <a:p>
+            <a:pPr>
+              <a:lnSpc>
+                <a:spcPct val="90000"/>
+              </a:lnSpc>
+            </a:pPr>
+            <a:r>
+              <a:rPr lang="pl-PL" dirty="0">
+                <a:ln>
+                  <a:solidFill>
+                    <a:schemeClr val="tx1"/>
+                  </a:solidFill>
+                </a:ln>
+                <a:solidFill>
+                  <a:schemeClr val="bg2"/>
+                </a:solidFill>
+              </a:rPr>
+              <a:t>Trochę statystyk na temat tego, jak chronić swoje dane</a:t>
+            </a:r>
+          </a:p>
+        </p:txBody>
+      </p:sp>
+      <p:pic>
+        <p:nvPicPr>
+          <p:cNvPr id="5" name="Picture 4" descr="Kłódka na płycie głównej komputera">
+            <a:extLst>
+              <a:ext uri="{FF2B5EF4-FFF2-40B4-BE49-F238E27FC236}">
+                <a16:creationId xmlns:a16="http://schemas.microsoft.com/office/drawing/2014/main" id="{FB30955C-23CF-EBDC-EC2A-1991609ED4EC}"/>
+              </a:ext>
+            </a:extLst>
+          </p:cNvPr>
+          <p:cNvPicPr>
+            <a:picLocks noChangeAspect="1"/>
+          </p:cNvPicPr>
+          <p:nvPr/>
+        </p:nvPicPr>
+        <p:blipFill rotWithShape="1">
+          <a:blip r:embed="rId2"/>
+          <a:srcRect t="24676" b="40568"/>
+          <a:stretch/>
+        </p:blipFill>
+        <p:spPr>
+          <a:xfrm>
+            <a:off x="1" y="10"/>
+            <a:ext cx="12192000" cy="2828482"/>
+          </a:xfrm>
+          <a:prstGeom prst="rect">
+            <a:avLst/>
+          </a:prstGeom>
+        </p:spPr>
+      </p:pic>
+      <p:sp>
+        <p:nvSpPr>
+          <p:cNvPr id="11" name="Rectangle 10">
+            <a:extLst>
+              <a:ext uri="{FF2B5EF4-FFF2-40B4-BE49-F238E27FC236}">
+                <a16:creationId xmlns:a16="http://schemas.microsoft.com/office/drawing/2014/main" id="{9BFBD80D-8526-4C78-8F1F-ECCFF37F0E28}"/>
+              </a:ext>
+              <a:ext uri="{C183D7F6-B498-43B3-948B-1728B52AA6E4}">
+                <adec:decorative xmlns:adec="http://schemas.microsoft.com/office/drawing/2017/decorative" val="1"/>
+              </a:ext>
+            </a:extLst>
+          </p:cNvPr>
+          <p:cNvSpPr>
+            <a:spLocks noGrp="1" noRot="1" noChangeAspect="1" noMove="1" noResize="1" noEditPoints="1" noAdjustHandles="1" noChangeArrowheads="1" noChangeShapeType="1" noTextEdit="1"/>
+          </p:cNvSpPr>
+          <p:nvPr>
+            <p:extLst>
+              <p:ext uri="{386F3935-93C4-4BCD-93E2-E3B085C9AB24}">
+                <p16:designElem xmlns:p16="http://schemas.microsoft.com/office/powerpoint/2015/main" val="1"/>
+              </p:ext>
+            </p:extLst>
+          </p:nvPr>
+        </p:nvSpPr>
+        <p:spPr bwMode="auto">
+          <a:xfrm>
+            <a:off x="283465" y="2828492"/>
+            <a:ext cx="11908534" cy="79375"/>
+          </a:xfrm>
+          <a:prstGeom prst="rect">
+            <a:avLst/>
+          </a:prstGeom>
+          <a:solidFill>
+            <a:schemeClr val="bg2"/>
+          </a:solidFill>
+          <a:ln w="0">
+            <a:noFill/>
+            <a:prstDash val="solid"/>
+            <a:round/>
+            <a:headEnd/>
+            <a:tailEnd/>
+          </a:ln>
+        </p:spPr>
+        <p:txBody>
+          <a:bodyPr rtlCol="0" anchor="ctr"/>
+          <a:lstStyle/>
+          <a:p>
+            <a:pPr algn="ctr"/>
+            <a:endParaRPr lang="en-US"/>
+          </a:p>
+        </p:txBody>
+      </p:sp>
+      <p:sp>
+        <p:nvSpPr>
+          <p:cNvPr id="13" name="Freeform 6">
+            <a:extLst>
+              <a:ext uri="{FF2B5EF4-FFF2-40B4-BE49-F238E27FC236}">
+                <a16:creationId xmlns:a16="http://schemas.microsoft.com/office/drawing/2014/main" id="{EC97ACE8-F0AE-473A-8E56-C321C2074B29}"/>
+              </a:ext>
+              <a:ext uri="{C183D7F6-B498-43B3-948B-1728B52AA6E4}">
+                <adec:decorative xmlns:adec="http://schemas.microsoft.com/office/drawing/2017/decorative" val="1"/>
+              </a:ext>
+            </a:extLst>
+          </p:cNvPr>
+          <p:cNvSpPr>
+            <a:spLocks noGrp="1" noRot="1" noChangeAspect="1" noMove="1" noResize="1" noEditPoints="1" noAdjustHandles="1" noChangeArrowheads="1" noChangeShapeType="1" noTextEdit="1"/>
+          </p:cNvSpPr>
+          <p:nvPr>
+            <p:extLst>
+              <p:ext uri="{386F3935-93C4-4BCD-93E2-E3B085C9AB24}">
+                <p16:designElem xmlns:p16="http://schemas.microsoft.com/office/powerpoint/2015/main" val="1"/>
+              </p:ext>
+            </p:extLst>
+          </p:nvPr>
+        </p:nvSpPr>
+        <p:spPr bwMode="auto">
+          <a:xfrm>
+            <a:off x="0" y="0"/>
+            <a:ext cx="885825" cy="6858000"/>
+          </a:xfrm>
+          <a:custGeom>
+            <a:avLst/>
+            <a:gdLst/>
+            <a:ahLst/>
+            <a:cxnLst/>
+            <a:rect l="0" t="0" r="r" b="b"/>
+            <a:pathLst>
+              <a:path w="558" h="4320">
+                <a:moveTo>
+                  <a:pt x="0" y="0"/>
+                </a:moveTo>
+                <a:lnTo>
+                  <a:pt x="447" y="0"/>
+                </a:lnTo>
+                <a:lnTo>
+                  <a:pt x="448" y="43"/>
+                </a:lnTo>
+                <a:lnTo>
+                  <a:pt x="453" y="81"/>
+                </a:lnTo>
+                <a:lnTo>
+                  <a:pt x="460" y="114"/>
+                </a:lnTo>
+                <a:lnTo>
+                  <a:pt x="469" y="143"/>
+                </a:lnTo>
+                <a:lnTo>
+                  <a:pt x="479" y="169"/>
+                </a:lnTo>
+                <a:lnTo>
+                  <a:pt x="491" y="192"/>
+                </a:lnTo>
+                <a:lnTo>
+                  <a:pt x="503" y="216"/>
+                </a:lnTo>
+                <a:lnTo>
+                  <a:pt x="515" y="240"/>
+                </a:lnTo>
+                <a:lnTo>
+                  <a:pt x="525" y="263"/>
+                </a:lnTo>
+                <a:lnTo>
+                  <a:pt x="535" y="289"/>
+                </a:lnTo>
+                <a:lnTo>
+                  <a:pt x="545" y="318"/>
+                </a:lnTo>
+                <a:lnTo>
+                  <a:pt x="552" y="351"/>
+                </a:lnTo>
+                <a:lnTo>
+                  <a:pt x="556" y="389"/>
+                </a:lnTo>
+                <a:lnTo>
+                  <a:pt x="558" y="432"/>
+                </a:lnTo>
+                <a:lnTo>
+                  <a:pt x="556" y="475"/>
+                </a:lnTo>
+                <a:lnTo>
+                  <a:pt x="552" y="513"/>
+                </a:lnTo>
+                <a:lnTo>
+                  <a:pt x="545" y="546"/>
+                </a:lnTo>
+                <a:lnTo>
+                  <a:pt x="535" y="575"/>
+                </a:lnTo>
+                <a:lnTo>
+                  <a:pt x="525" y="601"/>
+                </a:lnTo>
+                <a:lnTo>
+                  <a:pt x="515" y="624"/>
+                </a:lnTo>
+                <a:lnTo>
+                  <a:pt x="503" y="648"/>
+                </a:lnTo>
+                <a:lnTo>
+                  <a:pt x="491" y="672"/>
+                </a:lnTo>
+                <a:lnTo>
+                  <a:pt x="479" y="695"/>
+                </a:lnTo>
+                <a:lnTo>
+                  <a:pt x="469" y="721"/>
+                </a:lnTo>
+                <a:lnTo>
+                  <a:pt x="460" y="750"/>
+                </a:lnTo>
+                <a:lnTo>
+                  <a:pt x="453" y="783"/>
+                </a:lnTo>
+                <a:lnTo>
+                  <a:pt x="448" y="821"/>
+                </a:lnTo>
+                <a:lnTo>
+                  <a:pt x="447" y="864"/>
+                </a:lnTo>
+                <a:lnTo>
+                  <a:pt x="448" y="907"/>
+                </a:lnTo>
+                <a:lnTo>
+                  <a:pt x="453" y="945"/>
+                </a:lnTo>
+                <a:lnTo>
+                  <a:pt x="460" y="978"/>
+                </a:lnTo>
+                <a:lnTo>
+                  <a:pt x="469" y="1007"/>
+                </a:lnTo>
+                <a:lnTo>
+                  <a:pt x="479" y="1033"/>
+                </a:lnTo>
+                <a:lnTo>
+                  <a:pt x="491" y="1056"/>
+                </a:lnTo>
+                <a:lnTo>
+                  <a:pt x="503" y="1080"/>
+                </a:lnTo>
+                <a:lnTo>
+                  <a:pt x="515" y="1104"/>
+                </a:lnTo>
+                <a:lnTo>
+                  <a:pt x="525" y="1127"/>
+                </a:lnTo>
+                <a:lnTo>
+                  <a:pt x="535" y="1153"/>
+                </a:lnTo>
+                <a:lnTo>
+                  <a:pt x="545" y="1182"/>
+                </a:lnTo>
+                <a:lnTo>
+                  <a:pt x="552" y="1215"/>
+                </a:lnTo>
+                <a:lnTo>
+                  <a:pt x="556" y="1253"/>
+                </a:lnTo>
+                <a:lnTo>
+                  <a:pt x="558" y="1296"/>
+                </a:lnTo>
+                <a:lnTo>
+                  <a:pt x="556" y="1339"/>
+                </a:lnTo>
+                <a:lnTo>
+                  <a:pt x="552" y="1377"/>
+                </a:lnTo>
+                <a:lnTo>
+                  <a:pt x="545" y="1410"/>
+                </a:lnTo>
+                <a:lnTo>
+                  <a:pt x="535" y="1439"/>
+                </a:lnTo>
+                <a:lnTo>
+                  <a:pt x="525" y="1465"/>
+                </a:lnTo>
+                <a:lnTo>
+                  <a:pt x="515" y="1488"/>
+                </a:lnTo>
+                <a:lnTo>
+                  <a:pt x="503" y="1512"/>
+                </a:lnTo>
+                <a:lnTo>
+                  <a:pt x="491" y="1536"/>
+                </a:lnTo>
+                <a:lnTo>
+                  <a:pt x="479" y="1559"/>
+                </a:lnTo>
+                <a:lnTo>
+                  <a:pt x="469" y="1585"/>
+                </a:lnTo>
+                <a:lnTo>
+                  <a:pt x="460" y="1614"/>
+                </a:lnTo>
+                <a:lnTo>
+                  <a:pt x="453" y="1647"/>
+                </a:lnTo>
+                <a:lnTo>
+                  <a:pt x="448" y="1685"/>
+                </a:lnTo>
+                <a:lnTo>
+                  <a:pt x="447" y="1728"/>
+                </a:lnTo>
+                <a:lnTo>
+                  <a:pt x="448" y="1771"/>
+                </a:lnTo>
+                <a:lnTo>
+                  <a:pt x="453" y="1809"/>
+                </a:lnTo>
+                <a:lnTo>
+                  <a:pt x="460" y="1842"/>
+                </a:lnTo>
+                <a:lnTo>
+                  <a:pt x="469" y="1871"/>
+                </a:lnTo>
+                <a:lnTo>
+                  <a:pt x="479" y="1897"/>
+                </a:lnTo>
+                <a:lnTo>
+                  <a:pt x="491" y="1920"/>
+                </a:lnTo>
+                <a:lnTo>
+                  <a:pt x="503" y="1944"/>
+                </a:lnTo>
+                <a:lnTo>
+                  <a:pt x="515" y="1968"/>
+                </a:lnTo>
+                <a:lnTo>
+                  <a:pt x="525" y="1991"/>
+                </a:lnTo>
+                <a:lnTo>
+                  <a:pt x="535" y="2017"/>
+                </a:lnTo>
+                <a:lnTo>
+                  <a:pt x="545" y="2046"/>
+                </a:lnTo>
+                <a:lnTo>
+                  <a:pt x="552" y="2079"/>
+                </a:lnTo>
+                <a:lnTo>
+                  <a:pt x="556" y="2117"/>
+                </a:lnTo>
+                <a:lnTo>
+                  <a:pt x="558" y="2159"/>
+                </a:lnTo>
+                <a:lnTo>
+                  <a:pt x="556" y="2203"/>
+                </a:lnTo>
+                <a:lnTo>
+                  <a:pt x="552" y="2241"/>
+                </a:lnTo>
+                <a:lnTo>
+                  <a:pt x="545" y="2274"/>
+                </a:lnTo>
+                <a:lnTo>
+                  <a:pt x="535" y="2303"/>
+                </a:lnTo>
+                <a:lnTo>
+                  <a:pt x="525" y="2329"/>
+                </a:lnTo>
+                <a:lnTo>
+                  <a:pt x="515" y="2352"/>
+                </a:lnTo>
+                <a:lnTo>
+                  <a:pt x="503" y="2376"/>
+                </a:lnTo>
+                <a:lnTo>
+                  <a:pt x="491" y="2400"/>
+                </a:lnTo>
+                <a:lnTo>
+                  <a:pt x="479" y="2423"/>
+                </a:lnTo>
+                <a:lnTo>
+                  <a:pt x="469" y="2449"/>
+                </a:lnTo>
+                <a:lnTo>
+                  <a:pt x="460" y="2478"/>
+                </a:lnTo>
+                <a:lnTo>
+                  <a:pt x="453" y="2511"/>
+                </a:lnTo>
+                <a:lnTo>
+                  <a:pt x="448" y="2549"/>
+                </a:lnTo>
+                <a:lnTo>
+                  <a:pt x="447" y="2592"/>
+                </a:lnTo>
+                <a:lnTo>
+                  <a:pt x="448" y="2635"/>
+                </a:lnTo>
+                <a:lnTo>
+                  <a:pt x="453" y="2673"/>
+                </a:lnTo>
+                <a:lnTo>
+                  <a:pt x="460" y="2706"/>
+                </a:lnTo>
+                <a:lnTo>
+                  <a:pt x="469" y="2735"/>
+                </a:lnTo>
+                <a:lnTo>
+                  <a:pt x="479" y="2761"/>
+                </a:lnTo>
+                <a:lnTo>
+                  <a:pt x="491" y="2784"/>
+                </a:lnTo>
+                <a:lnTo>
+                  <a:pt x="515" y="2832"/>
+                </a:lnTo>
+                <a:lnTo>
+                  <a:pt x="525" y="2855"/>
+                </a:lnTo>
+                <a:lnTo>
+                  <a:pt x="535" y="2881"/>
+                </a:lnTo>
+                <a:lnTo>
+                  <a:pt x="545" y="2910"/>
+                </a:lnTo>
+                <a:lnTo>
+                  <a:pt x="552" y="2943"/>
+                </a:lnTo>
+                <a:lnTo>
+                  <a:pt x="556" y="2981"/>
+                </a:lnTo>
+                <a:lnTo>
+                  <a:pt x="558" y="3024"/>
+                </a:lnTo>
+                <a:lnTo>
+                  <a:pt x="556" y="3067"/>
+                </a:lnTo>
+                <a:lnTo>
+                  <a:pt x="552" y="3105"/>
+                </a:lnTo>
+                <a:lnTo>
+                  <a:pt x="545" y="3138"/>
+                </a:lnTo>
+                <a:lnTo>
+                  <a:pt x="535" y="3167"/>
+                </a:lnTo>
+                <a:lnTo>
+                  <a:pt x="525" y="3193"/>
+                </a:lnTo>
+                <a:lnTo>
+                  <a:pt x="515" y="3216"/>
+                </a:lnTo>
+                <a:lnTo>
+                  <a:pt x="503" y="3240"/>
+                </a:lnTo>
+                <a:lnTo>
+                  <a:pt x="491" y="3264"/>
+                </a:lnTo>
+                <a:lnTo>
+                  <a:pt x="479" y="3287"/>
+                </a:lnTo>
+                <a:lnTo>
+                  <a:pt x="469" y="3313"/>
+                </a:lnTo>
+                <a:lnTo>
+                  <a:pt x="460" y="3342"/>
+                </a:lnTo>
+                <a:lnTo>
+                  <a:pt x="453" y="3375"/>
+                </a:lnTo>
+                <a:lnTo>
+                  <a:pt x="448" y="3413"/>
+                </a:lnTo>
+                <a:lnTo>
+                  <a:pt x="447" y="3456"/>
+                </a:lnTo>
+                <a:lnTo>
+                  <a:pt x="448" y="3499"/>
+                </a:lnTo>
+                <a:lnTo>
+                  <a:pt x="453" y="3537"/>
+                </a:lnTo>
+                <a:lnTo>
+                  <a:pt x="460" y="3570"/>
+                </a:lnTo>
+                <a:lnTo>
+                  <a:pt x="469" y="3599"/>
+                </a:lnTo>
+                <a:lnTo>
+                  <a:pt x="479" y="3625"/>
+                </a:lnTo>
+                <a:lnTo>
+                  <a:pt x="491" y="3648"/>
+                </a:lnTo>
+                <a:lnTo>
+                  <a:pt x="503" y="3672"/>
+                </a:lnTo>
+                <a:lnTo>
+                  <a:pt x="515" y="3696"/>
+                </a:lnTo>
+                <a:lnTo>
+                  <a:pt x="525" y="3719"/>
+                </a:lnTo>
+                <a:lnTo>
+                  <a:pt x="535" y="3745"/>
+                </a:lnTo>
+                <a:lnTo>
+                  <a:pt x="545" y="3774"/>
+                </a:lnTo>
+                <a:lnTo>
+                  <a:pt x="552" y="3807"/>
+                </a:lnTo>
+                <a:lnTo>
+                  <a:pt x="556" y="3845"/>
+                </a:lnTo>
+                <a:lnTo>
+                  <a:pt x="558" y="3888"/>
+                </a:lnTo>
+                <a:lnTo>
+                  <a:pt x="556" y="3931"/>
+                </a:lnTo>
+                <a:lnTo>
+                  <a:pt x="552" y="3969"/>
+                </a:lnTo>
+                <a:lnTo>
+                  <a:pt x="545" y="4002"/>
+                </a:lnTo>
+                <a:lnTo>
+                  <a:pt x="535" y="4031"/>
+                </a:lnTo>
+                <a:lnTo>
+                  <a:pt x="525" y="4057"/>
+                </a:lnTo>
+                <a:lnTo>
+                  <a:pt x="515" y="4080"/>
+                </a:lnTo>
+                <a:lnTo>
+                  <a:pt x="503" y="4104"/>
+                </a:lnTo>
+                <a:lnTo>
+                  <a:pt x="491" y="4128"/>
+                </a:lnTo>
+                <a:lnTo>
+                  <a:pt x="479" y="4151"/>
+                </a:lnTo>
+                <a:lnTo>
+                  <a:pt x="469" y="4177"/>
+                </a:lnTo>
+                <a:lnTo>
+                  <a:pt x="460" y="4206"/>
+                </a:lnTo>
+                <a:lnTo>
+                  <a:pt x="453" y="4239"/>
+                </a:lnTo>
+                <a:lnTo>
+                  <a:pt x="448" y="4277"/>
+                </a:lnTo>
+                <a:lnTo>
+                  <a:pt x="447" y="4320"/>
+                </a:lnTo>
+                <a:lnTo>
+                  <a:pt x="0" y="4320"/>
+                </a:lnTo>
+                <a:lnTo>
+                  <a:pt x="0" y="0"/>
+                </a:lnTo>
+                <a:close/>
+              </a:path>
+            </a:pathLst>
+          </a:custGeom>
+          <a:solidFill>
+            <a:schemeClr val="tx2"/>
+          </a:solidFill>
+          <a:ln w="0">
+            <a:noFill/>
+            <a:prstDash val="solid"/>
+            <a:round/>
+            <a:headEnd/>
+            <a:tailEnd/>
+          </a:ln>
+        </p:spPr>
         <p:txBody>
           <a:bodyPr/>
           <a:lstStyle/>
           <a:p>
-            <a:r>
-              <a:rPr lang="pl-PL" dirty="0"/>
-              <a:t>Trochę statystyk na temat tego, jak chronić swoje dane</a:t>
+            <a:endParaRPr lang="en-US"/>
+          </a:p>
+        </p:txBody>
+      </p:sp>
+      <p:pic>
+        <p:nvPicPr>
+          <p:cNvPr id="4" name="Picture 2">
+            <a:hlinkClick r:id="rId3"/>
+            <a:extLst>
+              <a:ext uri="{FF2B5EF4-FFF2-40B4-BE49-F238E27FC236}">
+                <a16:creationId xmlns:a16="http://schemas.microsoft.com/office/drawing/2014/main" id="{E6DD462A-9641-9793-D31B-18CE38A31B6A}"/>
+              </a:ext>
+            </a:extLst>
+          </p:cNvPr>
+          <p:cNvPicPr>
+            <a:picLocks noChangeAspect="1" noChangeArrowheads="1"/>
+          </p:cNvPicPr>
+          <p:nvPr/>
+        </p:nvPicPr>
+        <p:blipFill>
+          <a:blip r:embed="rId4">
+            <a:extLst>
+              <a:ext uri="{28A0092B-C50C-407E-A947-70E740481C1C}">
+                <a14:useLocalDpi xmlns:a14="http://schemas.microsoft.com/office/drawing/2010/main" val="0"/>
+              </a:ext>
+            </a:extLst>
+          </a:blip>
+          <a:srcRect/>
+          <a:stretch>
+            <a:fillRect/>
+          </a:stretch>
+        </p:blipFill>
+        <p:spPr bwMode="auto">
+          <a:xfrm>
+            <a:off x="10559279" y="6203024"/>
+            <a:ext cx="1512168" cy="529071"/>
+          </a:xfrm>
+          <a:prstGeom prst="rect">
+            <a:avLst/>
+          </a:prstGeom>
+          <a:noFill/>
+          <a:extLst>
+            <a:ext uri="{909E8E84-426E-40DD-AFC4-6F175D3DCCD1}">
+              <a14:hiddenFill xmlns:a14="http://schemas.microsoft.com/office/drawing/2010/main">
+                <a:solidFill>
+                  <a:srgbClr val="FFFFFF"/>
+                </a:solidFill>
+              </a14:hiddenFill>
+            </a:ext>
+          </a:extLst>
+        </p:spPr>
+      </p:pic>
+      <p:sp>
+        <p:nvSpPr>
+          <p:cNvPr id="6" name="Prostokąt 5">
+            <a:extLst>
+              <a:ext uri="{FF2B5EF4-FFF2-40B4-BE49-F238E27FC236}">
+                <a16:creationId xmlns:a16="http://schemas.microsoft.com/office/drawing/2014/main" id="{6C5D7237-AA07-40DC-C50D-A00AE497627B}"/>
+              </a:ext>
+            </a:extLst>
+          </p:cNvPr>
+          <p:cNvSpPr/>
+          <p:nvPr/>
+        </p:nvSpPr>
+        <p:spPr>
+          <a:xfrm>
+            <a:off x="5198786" y="4951560"/>
+            <a:ext cx="2506776" cy="400110"/>
+          </a:xfrm>
+          <a:prstGeom prst="rect">
+            <a:avLst/>
+          </a:prstGeom>
+          <a:noFill/>
+        </p:spPr>
+        <p:txBody>
+          <a:bodyPr wrap="none" lIns="91440" tIns="45720" rIns="91440" bIns="45720">
+            <a:spAutoFit/>
+          </a:bodyPr>
+          <a:lstStyle/>
+          <a:p>
+            <a:pPr algn="ctr"/>
+            <a:r>
+              <a:rPr lang="pl-PL" sz="2000" b="1" dirty="0">
+                <a:ln w="6600">
+                  <a:solidFill>
+                    <a:schemeClr val="accent2"/>
+                  </a:solidFill>
+                  <a:prstDash val="solid"/>
+                </a:ln>
+                <a:solidFill>
+                  <a:srgbClr val="FFFFFF"/>
+                </a:solidFill>
+                <a:effectLst>
+                  <a:outerShdw dist="38100" dir="2700000" algn="tl" rotWithShape="0">
+                    <a:schemeClr val="accent2"/>
+                  </a:outerShdw>
+                </a:effectLst>
+              </a:rPr>
+              <a:t>Damian Kurpiewski</a:t>
             </a:r>
           </a:p>
         </p:txBody>
@@ -6782,11 +7548,11 @@
           <a:lstStyle/>
           <a:p>
             <a:r>
-              <a:rPr lang="pl-PL" sz="2400" dirty="0"/>
+              <a:rPr lang="pl-PL" sz="2400"/>
               <a:t>W 2013 roku z baz danych Adobe ukradziono hasła do </a:t>
             </a:r>
             <a:r>
-              <a:rPr lang="pl-PL" sz="2400" b="1" dirty="0">
+              <a:rPr lang="pl-PL" sz="2400" b="1">
                 <a:solidFill>
                   <a:schemeClr val="accent4"/>
                 </a:solidFill>
@@ -6795,11 +7561,11 @@
             </a:r>
           </a:p>
           <a:p>
-            <a:endParaRPr lang="pl-PL" sz="2400" dirty="0"/>
+            <a:endParaRPr lang="pl-PL" sz="2400"/>
           </a:p>
           <a:p>
             <a:r>
-              <a:rPr lang="pl-PL" sz="2400" b="1" dirty="0">
+              <a:rPr lang="pl-PL" sz="2400" b="1">
                 <a:solidFill>
                   <a:schemeClr val="accent6"/>
                 </a:solidFill>
@@ -6807,11 +7573,11 @@
               <a:t>3.2 miliony </a:t>
             </a:r>
             <a:r>
-              <a:rPr lang="pl-PL" sz="2400" dirty="0"/>
+              <a:rPr lang="pl-PL" sz="2400"/>
               <a:t>z tego stanowiło </a:t>
             </a:r>
             <a:r>
-              <a:rPr lang="pl-PL" sz="2400" b="1" dirty="0">
+              <a:rPr lang="pl-PL" sz="2400" b="1">
                 <a:solidFill>
                   <a:schemeClr val="accent4"/>
                 </a:solidFill>
@@ -6819,43 +7585,42 @@
               <a:t>pięć</a:t>
             </a:r>
             <a:r>
-              <a:rPr lang="pl-PL" sz="2400" dirty="0"/>
+              <a:rPr lang="pl-PL" sz="2400"/>
               <a:t> powtarzających się haseł:</a:t>
             </a:r>
           </a:p>
           <a:p>
             <a:pPr lvl="1"/>
             <a:r>
-              <a:rPr lang="pl-PL" sz="2400" b="1" dirty="0"/>
+              <a:rPr lang="pl-PL" sz="2400" b="1"/>
               <a:t>123456,</a:t>
             </a:r>
           </a:p>
           <a:p>
             <a:pPr lvl="1"/>
             <a:r>
-              <a:rPr lang="pl-PL" sz="2400" b="1" dirty="0"/>
+              <a:rPr lang="pl-PL" sz="2400" b="1"/>
               <a:t>12345678,</a:t>
             </a:r>
           </a:p>
           <a:p>
             <a:pPr lvl="1"/>
             <a:r>
-              <a:rPr lang="pl-PL" sz="2400" b="1" dirty="0" err="1"/>
+              <a:rPr lang="pl-PL" sz="2400" b="1"/>
               <a:t>Password</a:t>
             </a:r>
-            <a:endParaRPr lang="pl-PL" sz="2400" b="1" dirty="0"/>
           </a:p>
           <a:p>
             <a:pPr lvl="1"/>
             <a:r>
-              <a:rPr lang="pl-PL" sz="2400" b="1" dirty="0"/>
+              <a:rPr lang="pl-PL" sz="2400" b="1"/>
               <a:t>Adobe123</a:t>
             </a:r>
           </a:p>
           <a:p>
             <a:pPr lvl="1"/>
             <a:r>
-              <a:rPr lang="pl-PL" sz="2400" b="1" dirty="0"/>
+              <a:rPr lang="pl-PL" sz="2400" b="1"/>
               <a:t>12345678.</a:t>
             </a:r>
           </a:p>
@@ -7716,8 +8481,8 @@
           </a:p>
         </p:txBody>
       </p:sp>
-      <mc:AlternateContent xmlns:mc="http://schemas.openxmlformats.org/markup-compatibility/2006">
-        <mc:Choice xmlns:a14="http://schemas.microsoft.com/office/drawing/2010/main" Requires="a14">
+      <mc:AlternateContent xmlns:mc="http://schemas.openxmlformats.org/markup-compatibility/2006" xmlns:a14="http://schemas.microsoft.com/office/drawing/2010/main">
+        <mc:Choice Requires="a14">
           <p:sp>
             <p:nvSpPr>
               <p:cNvPr id="3" name="Symbol zastępczy zawartości 2">
@@ -7865,7 +8630,7 @@
             </p:txBody>
           </p:sp>
         </mc:Choice>
-        <mc:Fallback>
+        <mc:Fallback xmlns="">
           <p:sp>
             <p:nvSpPr>
               <p:cNvPr id="3" name="Symbol zastępczy zawartości 2">
@@ -8775,6 +9540,13 @@
             <a:schemeClr val="lt1"/>
           </a:fontRef>
         </p:style>
+        <p:txBody>
+          <a:bodyPr/>
+          <a:lstStyle/>
+          <a:p>
+            <a:endParaRPr lang="en-US"/>
+          </a:p>
+        </p:txBody>
       </p:sp>
       <p:sp>
         <p:nvSpPr>
@@ -9253,6 +10025,13 @@
             <a:tailEnd/>
           </a:ln>
         </p:spPr>
+        <p:txBody>
+          <a:bodyPr/>
+          <a:lstStyle/>
+          <a:p>
+            <a:endParaRPr lang="en-US"/>
+          </a:p>
+        </p:txBody>
       </p:sp>
       <p:sp>
         <p:nvSpPr>
